--- a/docs/Proyecto ML - DS v1.pptx
+++ b/docs/Proyecto ML - DS v1.pptx
@@ -16,10 +16,6 @@
     <p:sldId id="261" r:id="rId11"/>
     <p:sldId id="262" r:id="rId12"/>
     <p:sldId id="263" r:id="rId13"/>
-    <p:sldId id="264" r:id="rId14"/>
-    <p:sldId id="265" r:id="rId15"/>
-    <p:sldId id="266" r:id="rId16"/>
-    <p:sldId id="267" r:id="rId17"/>
   </p:sldIdLst>
   <p:sldSz cx="10080625" cy="5670550"/>
   <p:notesSz cx="7559675" cy="10691813"/>
@@ -161,7 +157,7 @@
         <p:txBody>
           <a:bodyPr/>
           <a:p>
-            <a:fld id="{8EE93453-6159-4648-9B81-CBDF84AFE42C}" type="slidenum">
+            <a:fld id="{D8ECA230-3F7A-463B-B658-6179283AD300}" type="slidenum">
               <a:t>&lt;#&gt;</a:t>
             </a:fld>
           </a:p>
@@ -331,7 +327,7 @@
         <p:txBody>
           <a:bodyPr/>
           <a:p>
-            <a:fld id="{7AAD5899-3760-4DCC-957E-FCE2E8F6FC01}" type="slidenum">
+            <a:fld id="{60CA3A57-110A-4A7C-9F23-6CAD0891B120}" type="slidenum">
               <a:t>&lt;#&gt;</a:t>
             </a:fld>
           </a:p>
@@ -501,7 +497,7 @@
         <p:txBody>
           <a:bodyPr/>
           <a:p>
-            <a:fld id="{8F2EFBCA-87B8-4579-A8D2-9CA1D6965322}" type="slidenum">
+            <a:fld id="{E6FC632F-5FEA-451C-BD4F-FE87A570E1AA}" type="slidenum">
               <a:t>&lt;#&gt;</a:t>
             </a:fld>
           </a:p>
@@ -671,7 +667,7 @@
         <p:txBody>
           <a:bodyPr/>
           <a:p>
-            <a:fld id="{26BCA6F5-F077-4E5F-8C11-F93DD5A2107A}" type="slidenum">
+            <a:fld id="{AECAC33A-5662-44D6-986B-8285F56C3282}" type="slidenum">
               <a:t>&lt;#&gt;</a:t>
             </a:fld>
           </a:p>
@@ -841,7 +837,7 @@
         <p:txBody>
           <a:bodyPr/>
           <a:p>
-            <a:fld id="{3DC18B4E-5302-4F14-9670-61E7A117DEB9}" type="slidenum">
+            <a:fld id="{9466149C-03A5-4BA8-BAC7-D4684F605C81}" type="slidenum">
               <a:t>&lt;#&gt;</a:t>
             </a:fld>
           </a:p>
@@ -1297,7 +1293,7 @@
                 <a:uFillTx/>
                 <a:latin typeface="DejaVu Sans"/>
               </a:rPr>
-              <a:t>&lt;fecha/hora&gt;</a:t>
+              <a:t> </a:t>
             </a:r>
             <a:endParaRPr b="0" lang="es-ES" sz="1400" strike="noStrike" u="none">
               <a:solidFill>
@@ -1363,7 +1359,7 @@
                 <a:uFillTx/>
                 <a:latin typeface="DejaVu Sans"/>
               </a:rPr>
-              <a:t>&lt;pie de página&gt;</a:t>
+              <a:t> </a:t>
             </a:r>
             <a:endParaRPr b="0" lang="es-ES" sz="1400" strike="noStrike" u="none">
               <a:solidFill>
@@ -1420,7 +1416,7 @@
             <a:pPr indent="0" algn="r">
               <a:buNone/>
             </a:pPr>
-            <a:fld id="{F661977A-BAF6-470B-9105-415404D346E7}" type="slidenum">
+            <a:fld id="{9329A613-78BF-4FCF-AB7B-5F4EE4327E46}" type="slidenum">
               <a:rPr b="0" lang="es-ES" sz="1400" strike="noStrike" u="none">
                 <a:solidFill>
                   <a:srgbClr val="dddddd"/>
@@ -1429,7 +1425,7 @@
                 <a:uFillTx/>
                 <a:latin typeface="DejaVu Sans"/>
               </a:rPr>
-              <a:t>&lt;número&gt;</a:t>
+              <a:t>8</a:t>
             </a:fld>
             <a:endParaRPr b="0" lang="es-ES" sz="1400" strike="noStrike" u="none">
               <a:solidFill>
@@ -2260,7 +2256,7 @@
             <a:pPr indent="0" algn="r">
               <a:buNone/>
             </a:pPr>
-            <a:fld id="{04B1D57A-C79D-4128-945D-6FCA405AF953}" type="slidenum">
+            <a:fld id="{A618B39E-E15A-4BB0-838B-4CA82729DC84}" type="slidenum">
               <a:rPr b="0" lang="es-ES" sz="1400" strike="noStrike" u="none">
                 <a:solidFill>
                   <a:srgbClr val="dddddd"/>
@@ -3447,7 +3443,7 @@
             <a:pPr indent="0" algn="r">
               <a:buNone/>
             </a:pPr>
-            <a:fld id="{31F6736C-8632-4C04-AB29-150ED49F488D}" type="slidenum">
+            <a:fld id="{3B0152F3-5F97-47E9-A8C9-2D9164FAE5F5}" type="slidenum">
               <a:rPr b="0" lang="es-ES" sz="1400" strike="noStrike" u="none">
                 <a:solidFill>
                   <a:srgbClr val="dddddd"/>
@@ -3899,7 +3895,7 @@
             <a:pPr indent="0" algn="r">
               <a:buNone/>
             </a:pPr>
-            <a:fld id="{068F4650-F312-40EF-8E19-9466551EFF8C}" type="slidenum">
+            <a:fld id="{638BF29E-CFD9-4175-8C78-D36FAC3D9B74}" type="slidenum">
               <a:rPr b="0" lang="es-ES" sz="1400" strike="noStrike" u="none">
                 <a:solidFill>
                   <a:srgbClr val="dddddd"/>
@@ -4347,8 +4343,8 @@
         </p:nvSpPr>
         <p:spPr>
           <a:xfrm>
-            <a:off x="2947680" y="180000"/>
-            <a:ext cx="6592680" cy="1183320"/>
+            <a:off x="1687320" y="1093320"/>
+            <a:ext cx="6592680" cy="2957760"/>
           </a:xfrm>
           <a:prstGeom prst="rect">
             <a:avLst/>
@@ -4363,7 +4359,13 @@
             <a:spAutoFit/>
           </a:bodyPr>
           <a:p>
-            <a:pPr indent="0" algn="r">
+            <a:pPr indent="0" algn="ctr">
+              <a:spcBef>
+                <a:spcPts val="1191"/>
+              </a:spcBef>
+              <a:spcAft>
+                <a:spcPts val="992"/>
+              </a:spcAft>
               <a:buNone/>
             </a:pPr>
             <a:r>
@@ -4375,7 +4377,24 @@
                 <a:uFillTx/>
                 <a:latin typeface="DejaVu Sans"/>
               </a:rPr>
-              <a:t>ZBE EN EUSKADI</a:t>
+              <a:t>Proyecto ML</a:t>
+            </a:r>
+            <a:br>
+              <a:rPr sz="4000"/>
+            </a:br>
+            <a:br>
+              <a:rPr sz="4000"/>
+            </a:br>
+            <a:r>
+              <a:rPr b="1" lang="es-ES" sz="4000" strike="noStrike" u="none">
+                <a:solidFill>
+                  <a:srgbClr val="5b277d"/>
+                </a:solidFill>
+                <a:effectLst/>
+                <a:uFillTx/>
+                <a:latin typeface="DejaVu Sans"/>
+              </a:rPr>
+              <a:t>  PREDICCIÓN GENERACIÓN SOLAR </a:t>
             </a:r>
             <a:br>
               <a:rPr sz="4000"/>
@@ -4388,976 +4407,6 @@
               <a:uFillTx/>
               <a:latin typeface="DejaVu Sans"/>
             </a:endParaRPr>
-          </a:p>
-        </p:txBody>
-      </p:sp>
-      <p:pic>
-        <p:nvPicPr>
-          <p:cNvPr id="57" name="" descr=""/>
-          <p:cNvPicPr/>
-          <p:nvPr/>
-        </p:nvPicPr>
-        <p:blipFill>
-          <a:blip r:embed="rId1"/>
-          <a:stretch/>
-        </p:blipFill>
-        <p:spPr>
-          <a:xfrm>
-            <a:off x="720000" y="3060000"/>
-            <a:ext cx="3813480" cy="2520000"/>
-          </a:xfrm>
-          <a:prstGeom prst="rect">
-            <a:avLst/>
-          </a:prstGeom>
-          <a:noFill/>
-          <a:ln w="18000">
-            <a:noFill/>
-          </a:ln>
-        </p:spPr>
-      </p:pic>
-      <p:pic>
-        <p:nvPicPr>
-          <p:cNvPr id="58" name="" descr=""/>
-          <p:cNvPicPr/>
-          <p:nvPr/>
-        </p:nvPicPr>
-        <p:blipFill>
-          <a:blip r:embed="rId2"/>
-          <a:stretch/>
-        </p:blipFill>
-        <p:spPr>
-          <a:xfrm>
-            <a:off x="5952240" y="900000"/>
-            <a:ext cx="3922560" cy="2700000"/>
-          </a:xfrm>
-          <a:prstGeom prst="rect">
-            <a:avLst/>
-          </a:prstGeom>
-          <a:noFill/>
-          <a:ln w="18000">
-            <a:noFill/>
-          </a:ln>
-        </p:spPr>
-      </p:pic>
-      <p:pic>
-        <p:nvPicPr>
-          <p:cNvPr id="59" name="" descr=""/>
-          <p:cNvPicPr/>
-          <p:nvPr/>
-        </p:nvPicPr>
-        <p:blipFill>
-          <a:blip r:embed="rId3"/>
-          <a:stretch/>
-        </p:blipFill>
-        <p:spPr>
-          <a:xfrm>
-            <a:off x="540360" y="180000"/>
-            <a:ext cx="3216600" cy="2160000"/>
-          </a:xfrm>
-          <a:prstGeom prst="rect">
-            <a:avLst/>
-          </a:prstGeom>
-          <a:noFill/>
-          <a:ln w="18000">
-            <a:noFill/>
-          </a:ln>
-        </p:spPr>
-      </p:pic>
-      <p:pic>
-        <p:nvPicPr>
-          <p:cNvPr id="60" name="" descr=""/>
-          <p:cNvPicPr/>
-          <p:nvPr/>
-        </p:nvPicPr>
-        <p:blipFill>
-          <a:blip r:embed="rId4"/>
-          <a:stretch/>
-        </p:blipFill>
-        <p:spPr>
-          <a:xfrm>
-            <a:off x="3600360" y="988200"/>
-            <a:ext cx="2711880" cy="3871800"/>
-          </a:xfrm>
-          <a:prstGeom prst="rect">
-            <a:avLst/>
-          </a:prstGeom>
-          <a:noFill/>
-          <a:ln w="18000">
-            <a:noFill/>
-          </a:ln>
-        </p:spPr>
-      </p:pic>
-    </p:spTree>
-  </p:cSld>
-  <mc:AlternateContent>
-    <mc:Choice Requires="p14">
-      <p:transition spd="slow" p14:dur="2000"/>
-    </mc:Choice>
-    <mc:Fallback>
-      <p:transition spd="slow"/>
-    </mc:Fallback>
-  </mc:AlternateContent>
-</p:sld>
-</file>
-
-<file path=ppt/slides/slide10.xml><?xml version="1.0" encoding="utf-8"?>
-<p:sld xmlns:a="http://schemas.openxmlformats.org/drawingml/2006/main" xmlns:p="http://schemas.openxmlformats.org/presentationml/2006/main" xmlns:r="http://schemas.openxmlformats.org/officeDocument/2006/relationships" xmlns:p14="http://schemas.microsoft.com/office/powerpoint/2010/main" xmlns:p15="http://schemas.microsoft.com/office/powerpoint/2012/main" xmlns:mc="http://schemas.openxmlformats.org/markup-compatibility/2006">
-  <p:cSld>
-    <p:spTree>
-      <p:nvGrpSpPr>
-        <p:cNvPr id="1" name=""/>
-        <p:cNvGrpSpPr/>
-        <p:nvPr/>
-      </p:nvGrpSpPr>
-      <p:grpSpPr>
-        <a:xfrm>
-          <a:off x="0" y="0"/>
-          <a:ext cx="0" cy="0"/>
-          <a:chOff x="0" y="0"/>
-          <a:chExt cx="0" cy="0"/>
-        </a:xfrm>
-      </p:grpSpPr>
-      <p:pic>
-        <p:nvPicPr>
-          <p:cNvPr id="101" name="" descr=""/>
-          <p:cNvPicPr/>
-          <p:nvPr/>
-        </p:nvPicPr>
-        <p:blipFill>
-          <a:blip r:embed="rId1"/>
-          <a:stretch/>
-        </p:blipFill>
-        <p:spPr>
-          <a:xfrm>
-            <a:off x="-6840" y="792360"/>
-            <a:ext cx="3597840" cy="2591640"/>
-          </a:xfrm>
-          <a:prstGeom prst="rect">
-            <a:avLst/>
-          </a:prstGeom>
-          <a:noFill/>
-          <a:ln w="18000">
-            <a:noFill/>
-          </a:ln>
-        </p:spPr>
-      </p:pic>
-      <p:pic>
-        <p:nvPicPr>
-          <p:cNvPr id="102" name="" descr=""/>
-          <p:cNvPicPr/>
-          <p:nvPr/>
-        </p:nvPicPr>
-        <p:blipFill>
-          <a:blip r:embed="rId2"/>
-          <a:stretch/>
-        </p:blipFill>
-        <p:spPr>
-          <a:xfrm>
-            <a:off x="6667200" y="720000"/>
-            <a:ext cx="3412800" cy="2458440"/>
-          </a:xfrm>
-          <a:prstGeom prst="rect">
-            <a:avLst/>
-          </a:prstGeom>
-          <a:noFill/>
-          <a:ln w="18000">
-            <a:noFill/>
-          </a:ln>
-        </p:spPr>
-      </p:pic>
-      <p:pic>
-        <p:nvPicPr>
-          <p:cNvPr id="103" name="" descr=""/>
-          <p:cNvPicPr/>
-          <p:nvPr/>
-        </p:nvPicPr>
-        <p:blipFill>
-          <a:blip r:embed="rId3"/>
-          <a:stretch/>
-        </p:blipFill>
-        <p:spPr>
-          <a:xfrm>
-            <a:off x="5400000" y="3224880"/>
-            <a:ext cx="3399480" cy="2445120"/>
-          </a:xfrm>
-          <a:prstGeom prst="rect">
-            <a:avLst/>
-          </a:prstGeom>
-          <a:noFill/>
-          <a:ln w="18000">
-            <a:noFill/>
-          </a:ln>
-        </p:spPr>
-      </p:pic>
-      <p:pic>
-        <p:nvPicPr>
-          <p:cNvPr id="104" name="" descr=""/>
-          <p:cNvPicPr/>
-          <p:nvPr/>
-        </p:nvPicPr>
-        <p:blipFill>
-          <a:blip r:embed="rId4"/>
-          <a:stretch/>
-        </p:blipFill>
-        <p:spPr>
-          <a:xfrm>
-            <a:off x="1800000" y="3180600"/>
-            <a:ext cx="3420000" cy="2489400"/>
-          </a:xfrm>
-          <a:prstGeom prst="rect">
-            <a:avLst/>
-          </a:prstGeom>
-          <a:noFill/>
-          <a:ln w="18000">
-            <a:noFill/>
-          </a:ln>
-        </p:spPr>
-      </p:pic>
-      <p:sp>
-        <p:nvSpPr>
-          <p:cNvPr id="105" name="PlaceHolder 1"/>
-          <p:cNvSpPr>
-            <a:spLocks noGrp="1"/>
-          </p:cNvSpPr>
-          <p:nvPr>
-            <p:ph type="title"/>
-          </p:nvPr>
-        </p:nvSpPr>
-        <p:spPr>
-          <a:xfrm>
-            <a:off x="0" y="13680"/>
-            <a:ext cx="10080000" cy="1498320"/>
-          </a:xfrm>
-          <a:prstGeom prst="rect">
-            <a:avLst/>
-          </a:prstGeom>
-          <a:noFill/>
-          <a:ln w="0">
-            <a:noFill/>
-          </a:ln>
-        </p:spPr>
-        <p:txBody>
-          <a:bodyPr lIns="0" rIns="0" tIns="0" bIns="0" anchor="ctr">
-            <a:spAutoFit/>
-          </a:bodyPr>
-          <a:p>
-            <a:pPr indent="0" algn="ctr">
-              <a:spcBef>
-                <a:spcPts val="1191"/>
-              </a:spcBef>
-              <a:spcAft>
-                <a:spcPts val="992"/>
-              </a:spcAft>
-              <a:buNone/>
-            </a:pPr>
-            <a:r>
-              <a:rPr b="1" lang="es-ES" sz="2800" strike="noStrike" u="none">
-                <a:solidFill>
-                  <a:srgbClr val="5b277d"/>
-                </a:solidFill>
-                <a:effectLst/>
-                <a:uFillTx/>
-                <a:latin typeface="DejaVu Sans"/>
-              </a:rPr>
-              <a:t>¿Hay impacto en los ICA de las zonas externas a las ZBE? (Efecto Frontera)</a:t>
-            </a:r>
-            <a:r>
-              <a:rPr b="1" lang="es-ES" sz="3200" strike="noStrike" u="none">
-                <a:solidFill>
-                  <a:srgbClr val="5b277d"/>
-                </a:solidFill>
-                <a:effectLst/>
-                <a:uFillTx/>
-                <a:latin typeface="DejaVu Sans"/>
-              </a:rPr>
-              <a:t> </a:t>
-            </a:r>
-            <a:r>
-              <a:rPr b="1" lang="es-ES" sz="4000" strike="noStrike" u="none">
-                <a:solidFill>
-                  <a:srgbClr val="5b277d"/>
-                </a:solidFill>
-                <a:effectLst/>
-                <a:uFillTx/>
-                <a:latin typeface="DejaVu Sans"/>
-              </a:rPr>
-              <a:t> </a:t>
-            </a:r>
-            <a:br>
-              <a:rPr sz="4000"/>
-            </a:br>
-            <a:r>
-              <a:rPr b="0" lang="es-ES" sz="2200" strike="noStrike" u="none">
-                <a:solidFill>
-                  <a:srgbClr val="5b277d"/>
-                </a:solidFill>
-                <a:effectLst/>
-                <a:uFillTx/>
-                <a:latin typeface="DejaVu Sans"/>
-              </a:rPr>
-              <a:t>Est. BASAURI</a:t>
-            </a:r>
-            <a:endParaRPr b="0" lang="es-ES" sz="2200" strike="noStrike" u="none">
-              <a:solidFill>
-                <a:srgbClr val="333333"/>
-              </a:solidFill>
-              <a:effectLst/>
-              <a:uFillTx/>
-              <a:latin typeface="DejaVu Sans"/>
-            </a:endParaRPr>
-          </a:p>
-        </p:txBody>
-      </p:sp>
-      <p:sp>
-        <p:nvSpPr>
-          <p:cNvPr id="3" name="PlaceHolder 2"/>
-          <p:cNvSpPr>
-            <a:spLocks noGrp="1"/>
-          </p:cNvSpPr>
-          <p:nvPr>
-            <p:ph type="sldNum" idx="12"/>
-          </p:nvPr>
-        </p:nvSpPr>
-        <p:spPr/>
-        <p:txBody>
-          <a:bodyPr/>
-          <a:p>
-            <a:fld id="{A342A3D0-90B7-4E88-B471-032682868385}" type="slidenum">
-              <a:t>10</a:t>
-            </a:fld>
-          </a:p>
-        </p:txBody>
-      </p:sp>
-    </p:spTree>
-  </p:cSld>
-  <mc:AlternateContent>
-    <mc:Choice Requires="p14">
-      <p:transition spd="slow" p14:dur="2000"/>
-    </mc:Choice>
-    <mc:Fallback>
-      <p:transition spd="slow"/>
-    </mc:Fallback>
-  </mc:AlternateContent>
-</p:sld>
-</file>
-
-<file path=ppt/slides/slide11.xml><?xml version="1.0" encoding="utf-8"?>
-<p:sld xmlns:a="http://schemas.openxmlformats.org/drawingml/2006/main" xmlns:p="http://schemas.openxmlformats.org/presentationml/2006/main" xmlns:r="http://schemas.openxmlformats.org/officeDocument/2006/relationships" xmlns:p14="http://schemas.microsoft.com/office/powerpoint/2010/main" xmlns:p15="http://schemas.microsoft.com/office/powerpoint/2012/main" xmlns:mc="http://schemas.openxmlformats.org/markup-compatibility/2006">
-  <p:cSld>
-    <p:spTree>
-      <p:nvGrpSpPr>
-        <p:cNvPr id="1" name=""/>
-        <p:cNvGrpSpPr/>
-        <p:nvPr/>
-      </p:nvGrpSpPr>
-      <p:grpSpPr>
-        <a:xfrm>
-          <a:off x="0" y="0"/>
-          <a:ext cx="0" cy="0"/>
-          <a:chOff x="0" y="0"/>
-          <a:chExt cx="0" cy="0"/>
-        </a:xfrm>
-      </p:grpSpPr>
-      <p:pic>
-        <p:nvPicPr>
-          <p:cNvPr id="106" name="" descr=""/>
-          <p:cNvPicPr/>
-          <p:nvPr/>
-        </p:nvPicPr>
-        <p:blipFill>
-          <a:blip r:embed="rId1"/>
-          <a:stretch/>
-        </p:blipFill>
-        <p:spPr>
-          <a:xfrm>
-            <a:off x="-180000" y="2992320"/>
-            <a:ext cx="3894840" cy="2677680"/>
-          </a:xfrm>
-          <a:prstGeom prst="rect">
-            <a:avLst/>
-          </a:prstGeom>
-          <a:noFill/>
-          <a:ln w="18000">
-            <a:noFill/>
-          </a:ln>
-        </p:spPr>
-      </p:pic>
-      <p:pic>
-        <p:nvPicPr>
-          <p:cNvPr id="107" name="" descr=""/>
-          <p:cNvPicPr/>
-          <p:nvPr/>
-        </p:nvPicPr>
-        <p:blipFill>
-          <a:blip r:embed="rId2"/>
-          <a:stretch/>
-        </p:blipFill>
-        <p:spPr>
-          <a:xfrm>
-            <a:off x="2880000" y="1800000"/>
-            <a:ext cx="4434840" cy="3048840"/>
-          </a:xfrm>
-          <a:prstGeom prst="rect">
-            <a:avLst/>
-          </a:prstGeom>
-          <a:noFill/>
-          <a:ln w="18000">
-            <a:noFill/>
-          </a:ln>
-        </p:spPr>
-      </p:pic>
-      <p:pic>
-        <p:nvPicPr>
-          <p:cNvPr id="108" name="" descr=""/>
-          <p:cNvPicPr/>
-          <p:nvPr/>
-        </p:nvPicPr>
-        <p:blipFill>
-          <a:blip r:embed="rId3"/>
-          <a:stretch/>
-        </p:blipFill>
-        <p:spPr>
-          <a:xfrm>
-            <a:off x="-180000" y="618480"/>
-            <a:ext cx="3600000" cy="2475000"/>
-          </a:xfrm>
-          <a:prstGeom prst="rect">
-            <a:avLst/>
-          </a:prstGeom>
-          <a:noFill/>
-          <a:ln w="18000">
-            <a:noFill/>
-          </a:ln>
-        </p:spPr>
-      </p:pic>
-      <p:pic>
-        <p:nvPicPr>
-          <p:cNvPr id="109" name="" descr=""/>
-          <p:cNvPicPr/>
-          <p:nvPr/>
-        </p:nvPicPr>
-        <p:blipFill>
-          <a:blip r:embed="rId4"/>
-          <a:stretch/>
-        </p:blipFill>
-        <p:spPr>
-          <a:xfrm>
-            <a:off x="6414120" y="648000"/>
-            <a:ext cx="3665880" cy="2520000"/>
-          </a:xfrm>
-          <a:prstGeom prst="rect">
-            <a:avLst/>
-          </a:prstGeom>
-          <a:noFill/>
-          <a:ln w="18000">
-            <a:noFill/>
-          </a:ln>
-        </p:spPr>
-      </p:pic>
-      <p:pic>
-        <p:nvPicPr>
-          <p:cNvPr id="110" name="" descr=""/>
-          <p:cNvPicPr/>
-          <p:nvPr/>
-        </p:nvPicPr>
-        <p:blipFill>
-          <a:blip r:embed="rId5"/>
-          <a:stretch/>
-        </p:blipFill>
-        <p:spPr>
-          <a:xfrm>
-            <a:off x="6283800" y="3060000"/>
-            <a:ext cx="3796200" cy="2610000"/>
-          </a:xfrm>
-          <a:prstGeom prst="rect">
-            <a:avLst/>
-          </a:prstGeom>
-          <a:noFill/>
-          <a:ln w="18000">
-            <a:noFill/>
-          </a:ln>
-        </p:spPr>
-      </p:pic>
-      <p:sp>
-        <p:nvSpPr>
-          <p:cNvPr id="111" name="PlaceHolder 1"/>
-          <p:cNvSpPr>
-            <a:spLocks noGrp="1"/>
-          </p:cNvSpPr>
-          <p:nvPr>
-            <p:ph type="title"/>
-          </p:nvPr>
-        </p:nvSpPr>
-        <p:spPr>
-          <a:xfrm>
-            <a:off x="0" y="13680"/>
-            <a:ext cx="10080000" cy="1498320"/>
-          </a:xfrm>
-          <a:prstGeom prst="rect">
-            <a:avLst/>
-          </a:prstGeom>
-          <a:noFill/>
-          <a:ln w="0">
-            <a:noFill/>
-          </a:ln>
-        </p:spPr>
-        <p:txBody>
-          <a:bodyPr lIns="0" rIns="0" tIns="0" bIns="0" anchor="ctr">
-            <a:spAutoFit/>
-          </a:bodyPr>
-          <a:p>
-            <a:pPr indent="0" algn="ctr">
-              <a:spcBef>
-                <a:spcPts val="1191"/>
-              </a:spcBef>
-              <a:spcAft>
-                <a:spcPts val="992"/>
-              </a:spcAft>
-              <a:buNone/>
-            </a:pPr>
-            <a:r>
-              <a:rPr b="1" lang="es-ES" sz="2800" strike="noStrike" u="none">
-                <a:solidFill>
-                  <a:srgbClr val="5b277d"/>
-                </a:solidFill>
-                <a:effectLst/>
-                <a:uFillTx/>
-                <a:latin typeface="DejaVu Sans"/>
-              </a:rPr>
-              <a:t>¿Hay impacto en los ICA de las zonas externas a las ZBE? (Efecto Frontera)</a:t>
-            </a:r>
-            <a:r>
-              <a:rPr b="1" lang="es-ES" sz="3200" strike="noStrike" u="none">
-                <a:solidFill>
-                  <a:srgbClr val="5b277d"/>
-                </a:solidFill>
-                <a:effectLst/>
-                <a:uFillTx/>
-                <a:latin typeface="DejaVu Sans"/>
-              </a:rPr>
-              <a:t> </a:t>
-            </a:r>
-            <a:r>
-              <a:rPr b="1" lang="es-ES" sz="4000" strike="noStrike" u="none">
-                <a:solidFill>
-                  <a:srgbClr val="5b277d"/>
-                </a:solidFill>
-                <a:effectLst/>
-                <a:uFillTx/>
-                <a:latin typeface="DejaVu Sans"/>
-              </a:rPr>
-              <a:t> </a:t>
-            </a:r>
-            <a:br>
-              <a:rPr sz="4000"/>
-            </a:br>
-            <a:r>
-              <a:rPr b="0" lang="es-ES" sz="2200" strike="noStrike" u="none">
-                <a:solidFill>
-                  <a:srgbClr val="5b277d"/>
-                </a:solidFill>
-                <a:effectLst/>
-                <a:uFillTx/>
-                <a:latin typeface="DejaVu Sans"/>
-              </a:rPr>
-              <a:t>Est. PUYO (DONOSTIA)</a:t>
-            </a:r>
-            <a:endParaRPr b="0" lang="es-ES" sz="2200" strike="noStrike" u="none">
-              <a:solidFill>
-                <a:srgbClr val="333333"/>
-              </a:solidFill>
-              <a:effectLst/>
-              <a:uFillTx/>
-              <a:latin typeface="DejaVu Sans"/>
-            </a:endParaRPr>
-          </a:p>
-        </p:txBody>
-      </p:sp>
-      <p:sp>
-        <p:nvSpPr>
-          <p:cNvPr id="3" name="PlaceHolder 2"/>
-          <p:cNvSpPr>
-            <a:spLocks noGrp="1"/>
-          </p:cNvSpPr>
-          <p:nvPr>
-            <p:ph type="sldNum" idx="12"/>
-          </p:nvPr>
-        </p:nvSpPr>
-        <p:spPr/>
-        <p:txBody>
-          <a:bodyPr/>
-          <a:p>
-            <a:fld id="{63D160F0-6D1C-4F4F-A83E-4E31C76AB6E8}" type="slidenum">
-              <a:t>11</a:t>
-            </a:fld>
-          </a:p>
-        </p:txBody>
-      </p:sp>
-    </p:spTree>
-  </p:cSld>
-  <mc:AlternateContent>
-    <mc:Choice Requires="p14">
-      <p:transition spd="slow" p14:dur="2000"/>
-    </mc:Choice>
-    <mc:Fallback>
-      <p:transition spd="slow"/>
-    </mc:Fallback>
-  </mc:AlternateContent>
-</p:sld>
-</file>
-
-<file path=ppt/slides/slide12.xml><?xml version="1.0" encoding="utf-8"?>
-<p:sld xmlns:a="http://schemas.openxmlformats.org/drawingml/2006/main" xmlns:p="http://schemas.openxmlformats.org/presentationml/2006/main" xmlns:r="http://schemas.openxmlformats.org/officeDocument/2006/relationships" xmlns:p14="http://schemas.microsoft.com/office/powerpoint/2010/main" xmlns:p15="http://schemas.microsoft.com/office/powerpoint/2012/main" xmlns:mc="http://schemas.openxmlformats.org/markup-compatibility/2006">
-  <p:cSld>
-    <p:spTree>
-      <p:nvGrpSpPr>
-        <p:cNvPr id="1" name=""/>
-        <p:cNvGrpSpPr/>
-        <p:nvPr/>
-      </p:nvGrpSpPr>
-      <p:grpSpPr>
-        <a:xfrm>
-          <a:off x="0" y="0"/>
-          <a:ext cx="0" cy="0"/>
-          <a:chOff x="0" y="0"/>
-          <a:chExt cx="0" cy="0"/>
-        </a:xfrm>
-      </p:grpSpPr>
-      <p:sp>
-        <p:nvSpPr>
-          <p:cNvPr id="112" name="PlaceHolder 1"/>
-          <p:cNvSpPr>
-            <a:spLocks noGrp="1"/>
-          </p:cNvSpPr>
-          <p:nvPr>
-            <p:ph type="title"/>
-          </p:nvPr>
-        </p:nvSpPr>
-        <p:spPr>
-          <a:xfrm>
-            <a:off x="720000" y="360000"/>
-            <a:ext cx="8640000" cy="900000"/>
-          </a:xfrm>
-          <a:prstGeom prst="rect">
-            <a:avLst/>
-          </a:prstGeom>
-          <a:noFill/>
-          <a:ln w="0">
-            <a:noFill/>
-          </a:ln>
-        </p:spPr>
-        <p:txBody>
-          <a:bodyPr lIns="0" rIns="0" tIns="0" bIns="0" anchor="ctr">
-            <a:spAutoFit/>
-          </a:bodyPr>
-          <a:p>
-            <a:pPr indent="0" algn="ctr">
-              <a:spcBef>
-                <a:spcPts val="1191"/>
-              </a:spcBef>
-              <a:spcAft>
-                <a:spcPts val="992"/>
-              </a:spcAft>
-              <a:buNone/>
-            </a:pPr>
-            <a:r>
-              <a:rPr b="1" lang="es-ES" sz="3200" strike="noStrike" u="none">
-                <a:solidFill>
-                  <a:srgbClr val="5b277d"/>
-                </a:solidFill>
-                <a:effectLst/>
-                <a:uFillTx/>
-                <a:latin typeface="DejaVu Sans"/>
-              </a:rPr>
-              <a:t>CONCLUSIONES</a:t>
-            </a:r>
-            <a:endParaRPr b="0" lang="es-ES" sz="3200" strike="noStrike" u="none">
-              <a:solidFill>
-                <a:srgbClr val="333333"/>
-              </a:solidFill>
-              <a:effectLst/>
-              <a:uFillTx/>
-              <a:latin typeface="DejaVu Sans"/>
-            </a:endParaRPr>
-          </a:p>
-        </p:txBody>
-      </p:sp>
-      <p:sp>
-        <p:nvSpPr>
-          <p:cNvPr id="113" name="PlaceHolder 2"/>
-          <p:cNvSpPr>
-            <a:spLocks noGrp="1"/>
-          </p:cNvSpPr>
-          <p:nvPr>
-            <p:ph/>
-          </p:nvPr>
-        </p:nvSpPr>
-        <p:spPr>
-          <a:xfrm>
-            <a:off x="720000" y="1440000"/>
-            <a:ext cx="8640000" cy="3600000"/>
-          </a:xfrm>
-          <a:prstGeom prst="rect">
-            <a:avLst/>
-          </a:prstGeom>
-          <a:noFill/>
-          <a:ln w="0">
-            <a:noFill/>
-          </a:ln>
-        </p:spPr>
-        <p:txBody>
-          <a:bodyPr lIns="0" rIns="0" tIns="0" bIns="0" anchor="t">
-            <a:normAutofit fontScale="85000" lnSpcReduction="19999"/>
-          </a:bodyPr>
-          <a:p>
-            <a:pPr indent="0">
-              <a:spcBef>
-                <a:spcPts val="1191"/>
-              </a:spcBef>
-              <a:spcAft>
-                <a:spcPts val="992"/>
-              </a:spcAft>
-              <a:buNone/>
-            </a:pPr>
-            <a:r>
-              <a:rPr b="1" lang="es-ES" sz="2200" strike="noStrike" u="none">
-                <a:solidFill>
-                  <a:srgbClr val="5b277d"/>
-                </a:solidFill>
-                <a:effectLst/>
-                <a:uFillTx/>
-                <a:latin typeface="DejaVu Sans"/>
-              </a:rPr>
-              <a:t>H1: ¿Se han reducido los ICA en las ZBE?</a:t>
-            </a:r>
-            <a:endParaRPr b="0" lang="es-ES" sz="2200" strike="noStrike" u="none">
-              <a:solidFill>
-                <a:srgbClr val="666666"/>
-              </a:solidFill>
-              <a:effectLst/>
-              <a:uFillTx/>
-              <a:latin typeface="DejaVu Sans"/>
-            </a:endParaRPr>
-          </a:p>
-          <a:p>
-            <a:pPr marL="432000" indent="-324000">
-              <a:spcBef>
-                <a:spcPts val="1474"/>
-              </a:spcBef>
-              <a:spcAft>
-                <a:spcPts val="1276"/>
-              </a:spcAft>
-              <a:buClr>
-                <a:srgbClr val="666666"/>
-              </a:buClr>
-              <a:buSzPct val="45000"/>
-              <a:buFont typeface="Wingdings" charset="2"/>
-              <a:buChar char=""/>
-            </a:pPr>
-            <a:r>
-              <a:rPr b="0" lang="es-ES" sz="2200" strike="noStrike" u="none">
-                <a:solidFill>
-                  <a:srgbClr val="5b277d"/>
-                </a:solidFill>
-                <a:effectLst/>
-                <a:uFillTx/>
-                <a:latin typeface="DejaVu Sans"/>
-              </a:rPr>
-              <a:t>Se observa reducción en la magnitud y la extensión de valores de los ICA relacionados con gases de emisión: CO, O3, NO2.</a:t>
-            </a:r>
-            <a:endParaRPr b="0" lang="es-ES" sz="2200" strike="noStrike" u="none">
-              <a:solidFill>
-                <a:srgbClr val="666666"/>
-              </a:solidFill>
-              <a:effectLst/>
-              <a:uFillTx/>
-              <a:latin typeface="DejaVu Sans"/>
-            </a:endParaRPr>
-          </a:p>
-          <a:p>
-            <a:pPr indent="0">
-              <a:spcBef>
-                <a:spcPts val="1191"/>
-              </a:spcBef>
-              <a:spcAft>
-                <a:spcPts val="992"/>
-              </a:spcAft>
-              <a:buNone/>
-            </a:pPr>
-            <a:r>
-              <a:rPr b="1" lang="es-ES" sz="2200" strike="noStrike" u="none">
-                <a:solidFill>
-                  <a:srgbClr val="5b277d"/>
-                </a:solidFill>
-                <a:effectLst/>
-                <a:uFillTx/>
-                <a:latin typeface="DejaVu Sans"/>
-              </a:rPr>
-              <a:t>H2: ¿Se han reducido todos los ICA o hay ICA con más impacto?</a:t>
-            </a:r>
-            <a:endParaRPr b="0" lang="es-ES" sz="2200" strike="noStrike" u="none">
-              <a:solidFill>
-                <a:srgbClr val="666666"/>
-              </a:solidFill>
-              <a:effectLst/>
-              <a:uFillTx/>
-              <a:latin typeface="DejaVu Sans"/>
-            </a:endParaRPr>
-          </a:p>
-          <a:p>
-            <a:pPr marL="432000" indent="-324000">
-              <a:spcBef>
-                <a:spcPts val="1474"/>
-              </a:spcBef>
-              <a:spcAft>
-                <a:spcPts val="1276"/>
-              </a:spcAft>
-              <a:buClr>
-                <a:srgbClr val="666666"/>
-              </a:buClr>
-              <a:buSzPct val="45000"/>
-              <a:buFont typeface="Wingdings" charset="2"/>
-              <a:buChar char=""/>
-            </a:pPr>
-            <a:r>
-              <a:rPr b="0" lang="es-ES" sz="2200" strike="noStrike" u="none">
-                <a:solidFill>
-                  <a:srgbClr val="5b277d"/>
-                </a:solidFill>
-                <a:effectLst/>
-                <a:uFillTx/>
-                <a:latin typeface="DejaVu Sans"/>
-              </a:rPr>
-              <a:t>Los ICA relacionados con partículas (PM10 y PM2,5) y SO2 no se aprecia una reducción, e incluso se observa un incremento en sus valores: ¿factores ambientales, transporte, falta de datos...?</a:t>
-            </a:r>
-            <a:endParaRPr b="0" lang="es-ES" sz="2200" strike="noStrike" u="none">
-              <a:solidFill>
-                <a:srgbClr val="666666"/>
-              </a:solidFill>
-              <a:effectLst/>
-              <a:uFillTx/>
-              <a:latin typeface="DejaVu Sans"/>
-            </a:endParaRPr>
-          </a:p>
-          <a:p>
-            <a:pPr indent="0">
-              <a:spcBef>
-                <a:spcPts val="1191"/>
-              </a:spcBef>
-              <a:spcAft>
-                <a:spcPts val="992"/>
-              </a:spcAft>
-              <a:buNone/>
-            </a:pPr>
-            <a:r>
-              <a:rPr b="1" lang="es-ES" sz="2200" strike="noStrike" u="none">
-                <a:solidFill>
-                  <a:srgbClr val="5b277d"/>
-                </a:solidFill>
-                <a:effectLst/>
-                <a:uFillTx/>
-                <a:latin typeface="DejaVu Sans"/>
-              </a:rPr>
-              <a:t>H3: ¿Han aumentado/disminuido los ICA de las zonas externas a las ZBE? (Efecto Frontera)</a:t>
-            </a:r>
-            <a:endParaRPr b="0" lang="es-ES" sz="2200" strike="noStrike" u="none">
-              <a:solidFill>
-                <a:srgbClr val="666666"/>
-              </a:solidFill>
-              <a:effectLst/>
-              <a:uFillTx/>
-              <a:latin typeface="DejaVu Sans"/>
-            </a:endParaRPr>
-          </a:p>
-          <a:p>
-            <a:pPr marL="432000" indent="-324000">
-              <a:spcBef>
-                <a:spcPts val="1474"/>
-              </a:spcBef>
-              <a:spcAft>
-                <a:spcPts val="1276"/>
-              </a:spcAft>
-              <a:buClr>
-                <a:srgbClr val="666666"/>
-              </a:buClr>
-              <a:buSzPct val="45000"/>
-              <a:buFont typeface="Wingdings" charset="2"/>
-              <a:buChar char=""/>
-            </a:pPr>
-            <a:r>
-              <a:rPr b="0" lang="es-ES" sz="2200" strike="noStrike" u="none">
-                <a:solidFill>
-                  <a:srgbClr val="5b277d"/>
-                </a:solidFill>
-                <a:effectLst/>
-                <a:uFillTx/>
-                <a:latin typeface="DejaVu Sans"/>
-              </a:rPr>
-              <a:t>Se observa un comportamiento similar en la mayoría de los ICA: disminución en los gases y aumento PM.</a:t>
-            </a:r>
-            <a:endParaRPr b="0" lang="es-ES" sz="2200" strike="noStrike" u="none">
-              <a:solidFill>
-                <a:srgbClr val="666666"/>
-              </a:solidFill>
-              <a:effectLst/>
-              <a:uFillTx/>
-              <a:latin typeface="DejaVu Sans"/>
-            </a:endParaRPr>
-          </a:p>
-          <a:p>
-            <a:pPr marL="432000" indent="-324000">
-              <a:spcBef>
-                <a:spcPts val="1474"/>
-              </a:spcBef>
-              <a:spcAft>
-                <a:spcPts val="1276"/>
-              </a:spcAft>
-              <a:buClr>
-                <a:srgbClr val="666666"/>
-              </a:buClr>
-              <a:buSzPct val="45000"/>
-              <a:buFont typeface="Wingdings" charset="2"/>
-              <a:buChar char=""/>
-            </a:pPr>
-            <a:r>
-              <a:rPr b="0" lang="es-ES" sz="2200" strike="noStrike" u="none">
-                <a:solidFill>
-                  <a:srgbClr val="5b277d"/>
-                </a:solidFill>
-                <a:effectLst/>
-                <a:uFillTx/>
-                <a:latin typeface="DejaVu Sans"/>
-              </a:rPr>
-              <a:t>El ICA PM10 tiene un aumento mayor en estas zonas </a:t>
-            </a:r>
-            <a:endParaRPr b="0" lang="es-ES" sz="2200" strike="noStrike" u="none">
-              <a:solidFill>
-                <a:srgbClr val="666666"/>
-              </a:solidFill>
-              <a:effectLst/>
-              <a:uFillTx/>
-              <a:latin typeface="DejaVu Sans"/>
-            </a:endParaRPr>
-          </a:p>
-        </p:txBody>
-      </p:sp>
-      <p:sp>
-        <p:nvSpPr>
-          <p:cNvPr id="4" name="PlaceHolder 3"/>
-          <p:cNvSpPr>
-            <a:spLocks noGrp="1"/>
-          </p:cNvSpPr>
-          <p:nvPr>
-            <p:ph type="sldNum" idx="12"/>
-          </p:nvPr>
-        </p:nvSpPr>
-        <p:spPr/>
-        <p:txBody>
-          <a:bodyPr/>
-          <a:p>
-            <a:fld id="{5C088734-BD1E-4473-8067-09C638D42A3B}" type="slidenum">
-              <a:t>12</a:t>
-            </a:fld>
           </a:p>
         </p:txBody>
       </p:sp>
@@ -5393,7 +4442,7 @@
       </p:grpSpPr>
       <p:sp>
         <p:nvSpPr>
-          <p:cNvPr id="61" name="PlaceHolder 1"/>
+          <p:cNvPr id="57" name="PlaceHolder 1"/>
           <p:cNvSpPr>
             <a:spLocks noGrp="1"/>
           </p:cNvSpPr>
@@ -5403,8 +4452,8 @@
         </p:nvSpPr>
         <p:spPr>
           <a:xfrm>
-            <a:off x="1800000" y="360000"/>
-            <a:ext cx="6480000" cy="900000"/>
+            <a:off x="1080000" y="0"/>
+            <a:ext cx="7740000" cy="945720"/>
           </a:xfrm>
           <a:prstGeom prst="rect">
             <a:avLst/>
@@ -5420,10 +4469,16 @@
           </a:bodyPr>
           <a:p>
             <a:pPr indent="0" algn="ctr">
+              <a:spcBef>
+                <a:spcPts val="1191"/>
+              </a:spcBef>
+              <a:spcAft>
+                <a:spcPts val="992"/>
+              </a:spcAft>
               <a:buNone/>
             </a:pPr>
             <a:r>
-              <a:rPr b="1" lang="es-ES" sz="4000" strike="noStrike" u="none">
+              <a:rPr b="1" lang="es-ES" sz="3200" strike="noStrike" u="none">
                 <a:solidFill>
                   <a:srgbClr val="5b277d"/>
                 </a:solidFill>
@@ -5431,9 +4486,23 @@
                 <a:uFillTx/>
                 <a:latin typeface="DejaVu Sans"/>
               </a:rPr>
-              <a:t>¿Que son las ZBE?</a:t>
-            </a:r>
-            <a:endParaRPr b="0" lang="es-ES" sz="4000" strike="noStrike" u="none">
+              <a:t>PREDICCIÓN GENERACIÓN SOLAR</a:t>
+            </a:r>
+            <a:br>
+              <a:rPr sz="3200"/>
+            </a:br>
+            <a:r>
+              <a:rPr b="1" lang="es-ES" sz="3200" strike="noStrike" u="none">
+                <a:solidFill>
+                  <a:srgbClr val="5b277d"/>
+                </a:solidFill>
+                <a:effectLst/>
+                <a:uFillTx/>
+                <a:latin typeface="DejaVu Sans"/>
+              </a:rPr>
+              <a:t>- CONTEXTO -</a:t>
+            </a:r>
+            <a:endParaRPr b="0" lang="es-ES" sz="3200" strike="noStrike" u="none">
               <a:solidFill>
                 <a:srgbClr val="333333"/>
               </a:solidFill>
@@ -5446,7 +4515,7 @@
       </p:sp>
       <p:sp>
         <p:nvSpPr>
-          <p:cNvPr id="62" name="PlaceHolder 2"/>
+          <p:cNvPr id="58" name="PlaceHolder 2"/>
           <p:cNvSpPr>
             <a:spLocks noGrp="1"/>
           </p:cNvSpPr>
@@ -5456,8 +4525,8 @@
         </p:nvSpPr>
         <p:spPr>
           <a:xfrm>
-            <a:off x="1440000" y="1440000"/>
-            <a:ext cx="7020000" cy="3600000"/>
+            <a:off x="180000" y="952920"/>
+            <a:ext cx="9720000" cy="4440600"/>
           </a:xfrm>
           <a:prstGeom prst="rect">
             <a:avLst/>
@@ -5469,91 +4538,8 @@
         </p:spPr>
         <p:txBody>
           <a:bodyPr lIns="0" rIns="0" tIns="0" bIns="0" anchor="t">
-            <a:normAutofit/>
+            <a:spAutoFit/>
           </a:bodyPr>
-          <a:p>
-            <a:pPr indent="0">
-              <a:spcBef>
-                <a:spcPts val="1191"/>
-              </a:spcBef>
-              <a:spcAft>
-                <a:spcPts val="992"/>
-              </a:spcAft>
-              <a:buNone/>
-            </a:pPr>
-            <a:r>
-              <a:rPr b="0" lang="es-ES" sz="1600" strike="noStrike" u="none">
-                <a:solidFill>
-                  <a:srgbClr val="666666"/>
-                </a:solidFill>
-                <a:effectLst/>
-                <a:uFillTx/>
-                <a:latin typeface="DejaVu Sans"/>
-              </a:rPr>
-              <a:t>La ley europea </a:t>
-            </a:r>
-            <a:r>
-              <a:rPr b="1" lang="es-ES" sz="1600" strike="noStrike" u="none">
-                <a:solidFill>
-                  <a:srgbClr val="666666"/>
-                </a:solidFill>
-                <a:effectLst/>
-                <a:uFillTx/>
-                <a:latin typeface="DejaVu Sans"/>
-                <a:hlinkClick r:id="rId1"/>
-              </a:rPr>
-              <a:t>7/2021 de cambio climático y transición energética</a:t>
-            </a:r>
-            <a:r>
-              <a:rPr b="0" lang="es-ES" sz="1600" strike="noStrike" u="none">
-                <a:solidFill>
-                  <a:srgbClr val="666666"/>
-                </a:solidFill>
-                <a:effectLst/>
-                <a:uFillTx/>
-                <a:latin typeface="DejaVu Sans"/>
-              </a:rPr>
-              <a:t> obliga a los municipios de más de 50.000 habitantes a que adopten medidas para reducir las emisiones derivadas de la movilidad. </a:t>
-            </a:r>
-            <a:endParaRPr b="0" lang="es-ES" sz="1600" strike="noStrike" u="none">
-              <a:solidFill>
-                <a:srgbClr val="666666"/>
-              </a:solidFill>
-              <a:effectLst/>
-              <a:uFillTx/>
-              <a:latin typeface="DejaVu Sans"/>
-            </a:endParaRPr>
-          </a:p>
-          <a:p>
-            <a:pPr indent="0">
-              <a:spcBef>
-                <a:spcPts val="1191"/>
-              </a:spcBef>
-              <a:spcAft>
-                <a:spcPts val="992"/>
-              </a:spcAft>
-              <a:buNone/>
-            </a:pPr>
-            <a:r>
-              <a:rPr b="0" lang="es-ES" sz="1600" strike="noStrike" u="none">
-                <a:solidFill>
-                  <a:srgbClr val="666666"/>
-                </a:solidFill>
-                <a:effectLst/>
-                <a:uFillTx/>
-                <a:latin typeface="DejaVu Sans"/>
-              </a:rPr>
-              <a:t>En el caso de las capitales vascas, se han elaborado planes de implantación plurianuales en fases que ya han comenzado a implementarse en el último año </a:t>
-            </a:r>
-            <a:endParaRPr b="0" lang="es-ES" sz="1600" strike="noStrike" u="none">
-              <a:solidFill>
-                <a:srgbClr val="666666"/>
-              </a:solidFill>
-              <a:effectLst/>
-              <a:uFillTx/>
-              <a:latin typeface="DejaVu Sans"/>
-            </a:endParaRPr>
-          </a:p>
           <a:p>
             <a:pPr marL="432000" indent="-324000">
               <a:spcBef>
@@ -5572,17 +4558,17 @@
             <a:r>
               <a:rPr b="1" lang="es-ES" sz="2000" strike="noStrike" u="none">
                 <a:solidFill>
-                  <a:srgbClr val="666666"/>
-                </a:solidFill>
-                <a:effectLst/>
-                <a:uFillTx/>
-                <a:latin typeface="DejaVu Sans"/>
-              </a:rPr>
-              <a:t>BILBAO - 15/06/2024</a:t>
-            </a:r>
-            <a:endParaRPr b="0" lang="es-ES" sz="2000" strike="noStrike" u="none">
-              <a:solidFill>
-                <a:srgbClr val="666666"/>
+                  <a:srgbClr val="000000"/>
+                </a:solidFill>
+                <a:effectLst/>
+                <a:uFillTx/>
+                <a:latin typeface="DejaVu Sans"/>
+              </a:rPr>
+              <a:t>OBJETIVO: predecir la producción de energía solar fotovoltaica de una zona a partir de la información meteorológica y de radiación solar. </a:t>
+            </a:r>
+            <a:endParaRPr b="1" lang="es-ES" sz="2000" strike="noStrike" u="none">
+              <a:solidFill>
+                <a:srgbClr val="000000"/>
               </a:solidFill>
               <a:effectLst/>
               <a:uFillTx/>
@@ -5607,17 +4593,17 @@
             <a:r>
               <a:rPr b="1" lang="es-ES" sz="2000" strike="noStrike" u="none">
                 <a:solidFill>
-                  <a:srgbClr val="666666"/>
-                </a:solidFill>
-                <a:effectLst/>
-                <a:uFillTx/>
-                <a:latin typeface="DejaVu Sans"/>
-              </a:rPr>
-              <a:t>DONOSTIA - 01/01/2025</a:t>
+                  <a:srgbClr val="000000"/>
+                </a:solidFill>
+                <a:effectLst/>
+                <a:uFillTx/>
+                <a:latin typeface="DejaVu Sans"/>
+              </a:rPr>
+              <a:t>Variables entrada (X): información meteorológica y de radiación solar de estaciones de medida de AEMET.</a:t>
             </a:r>
             <a:endParaRPr b="0" lang="es-ES" sz="2000" strike="noStrike" u="none">
               <a:solidFill>
-                <a:srgbClr val="666666"/>
+                <a:srgbClr val="000000"/>
               </a:solidFill>
               <a:effectLst/>
               <a:uFillTx/>
@@ -5642,25 +4628,49 @@
             <a:r>
               <a:rPr b="1" lang="es-ES" sz="2000" strike="noStrike" u="none">
                 <a:solidFill>
-                  <a:srgbClr val="666666"/>
-                </a:solidFill>
-                <a:effectLst/>
-                <a:uFillTx/>
-                <a:latin typeface="DejaVu Sans"/>
-              </a:rPr>
-              <a:t>GASTEIZ - 15/09/2025</a:t>
+                  <a:srgbClr val="000000"/>
+                </a:solidFill>
+                <a:effectLst/>
+                <a:uFillTx/>
+                <a:latin typeface="DejaVu Sans"/>
+              </a:rPr>
+              <a:t>TARGET (y): generación solar fotovoltaica (recogida por REE - Red Eléctrica Española. </a:t>
             </a:r>
             <a:endParaRPr b="0" lang="es-ES" sz="2000" strike="noStrike" u="none">
               <a:solidFill>
-                <a:srgbClr val="666666"/>
-              </a:solidFill>
-              <a:effectLst/>
-              <a:uFillTx/>
-              <a:latin typeface="DejaVu Sans"/>
-            </a:endParaRPr>
-          </a:p>
-        </p:txBody>
-      </p:sp>
+                <a:srgbClr val="000000"/>
+              </a:solidFill>
+              <a:effectLst/>
+              <a:uFillTx/>
+              <a:latin typeface="DejaVu Sans"/>
+            </a:endParaRPr>
+          </a:p>
+        </p:txBody>
+      </p:sp>
+      <p:pic>
+        <p:nvPicPr>
+          <p:cNvPr id="59" name="" descr=""/>
+          <p:cNvPicPr/>
+          <p:nvPr/>
+        </p:nvPicPr>
+        <p:blipFill>
+          <a:blip r:embed="rId1"/>
+          <a:stretch/>
+        </p:blipFill>
+        <p:spPr>
+          <a:xfrm>
+            <a:off x="1440000" y="3276000"/>
+            <a:ext cx="7362720" cy="2880000"/>
+          </a:xfrm>
+          <a:prstGeom prst="rect">
+            <a:avLst/>
+          </a:prstGeom>
+          <a:noFill/>
+          <a:ln w="18000">
+            <a:noFill/>
+          </a:ln>
+        </p:spPr>
+      </p:pic>
       <p:sp>
         <p:nvSpPr>
           <p:cNvPr id="4" name="PlaceHolder 3"/>
@@ -5675,7 +4685,7 @@
         <p:txBody>
           <a:bodyPr/>
           <a:p>
-            <a:fld id="{11C48EA1-C0F9-4B84-A513-C8813B569AD3}" type="slidenum">
+            <a:fld id="{9BB2C7EB-A542-4CDF-B9B5-EDFB6C3F749B}" type="slidenum">
               <a:t>2</a:t>
             </a:fld>
           </a:p>
@@ -5713,7 +4723,7 @@
       </p:grpSpPr>
       <p:sp>
         <p:nvSpPr>
-          <p:cNvPr id="63" name="PlaceHolder 1"/>
+          <p:cNvPr id="60" name="PlaceHolder 1"/>
           <p:cNvSpPr>
             <a:spLocks noGrp="1"/>
           </p:cNvSpPr>
@@ -5723,8 +4733,8 @@
         </p:nvSpPr>
         <p:spPr>
           <a:xfrm>
-            <a:off x="1980000" y="2160000"/>
-            <a:ext cx="6638040" cy="3330000"/>
+            <a:off x="900000" y="1080000"/>
+            <a:ext cx="8460000" cy="4500000"/>
           </a:xfrm>
           <a:prstGeom prst="rect">
             <a:avLst/>
@@ -5735,8 +4745,8 @@
           </a:ln>
         </p:spPr>
         <p:txBody>
-          <a:bodyPr lIns="0" rIns="0" tIns="0" bIns="0" anchor="t" anchorCtr="1">
-            <a:normAutofit/>
+          <a:bodyPr lIns="0" rIns="0" tIns="0" bIns="0" anchor="t">
+            <a:normAutofit lnSpcReduction="9999"/>
           </a:bodyPr>
           <a:p>
             <a:pPr indent="0" algn="ctr">
@@ -5781,7 +4791,103 @@
                 <a:uFillTx/>
                 <a:latin typeface="DejaVu Sans"/>
               </a:rPr>
-              <a:t>Dióxido de azufre (SO₂)</a:t>
+              <a:t>REE: descargamos con API datos 2023-2025. Procesamos JSON para extraer los datos:</a:t>
+            </a:r>
+            <a:endParaRPr b="0" lang="es-ES" sz="2000" strike="noStrike" u="none">
+              <a:solidFill>
+                <a:srgbClr val="666666"/>
+              </a:solidFill>
+              <a:effectLst/>
+              <a:uFillTx/>
+              <a:latin typeface="DejaVu Sans"/>
+            </a:endParaRPr>
+          </a:p>
+          <a:p>
+            <a:pPr lvl="1" marL="864000" indent="-324000">
+              <a:spcAft>
+                <a:spcPts val="850"/>
+              </a:spcAft>
+              <a:buClr>
+                <a:srgbClr val="666666"/>
+              </a:buClr>
+              <a:buSzPct val="75000"/>
+              <a:buFont typeface="Symbol" charset="2"/>
+              <a:buChar char=""/>
+            </a:pPr>
+            <a:r>
+              <a:rPr b="0" lang="es-ES" sz="2000" strike="noStrike" u="none">
+                <a:solidFill>
+                  <a:srgbClr val="666666"/>
+                </a:solidFill>
+                <a:effectLst/>
+                <a:uFillTx/>
+                <a:latin typeface="DejaVu Sans"/>
+              </a:rPr>
+              <a:t>CCAA</a:t>
+            </a:r>
+            <a:endParaRPr b="0" lang="es-ES" sz="2000" strike="noStrike" u="none">
+              <a:solidFill>
+                <a:srgbClr val="666666"/>
+              </a:solidFill>
+              <a:effectLst/>
+              <a:uFillTx/>
+              <a:latin typeface="DejaVu Sans"/>
+            </a:endParaRPr>
+          </a:p>
+          <a:p>
+            <a:pPr lvl="1" marL="864000" indent="-324000">
+              <a:spcAft>
+                <a:spcPts val="850"/>
+              </a:spcAft>
+              <a:buClr>
+                <a:srgbClr val="666666"/>
+              </a:buClr>
+              <a:buSzPct val="75000"/>
+              <a:buFont typeface="Symbol" charset="2"/>
+              <a:buChar char=""/>
+            </a:pPr>
+            <a:r>
+              <a:rPr b="0" lang="es-ES" sz="2000" strike="noStrike" u="none">
+                <a:solidFill>
+                  <a:srgbClr val="666666"/>
+                </a:solidFill>
+                <a:effectLst/>
+                <a:uFillTx/>
+                <a:latin typeface="DejaVu Sans"/>
+              </a:rPr>
+              <a:t>Periodo generación (AAAA-MM)</a:t>
+            </a:r>
+            <a:endParaRPr b="0" lang="es-ES" sz="2000" strike="noStrike" u="none">
+              <a:solidFill>
+                <a:srgbClr val="666666"/>
+              </a:solidFill>
+              <a:effectLst/>
+              <a:uFillTx/>
+              <a:latin typeface="DejaVu Sans"/>
+            </a:endParaRPr>
+          </a:p>
+          <a:p>
+            <a:pPr lvl="1" marL="864000" indent="-324000">
+              <a:spcAft>
+                <a:spcPts val="850"/>
+              </a:spcAft>
+              <a:buClr>
+                <a:srgbClr val="666666"/>
+              </a:buClr>
+              <a:buSzPct val="75000"/>
+              <a:buFont typeface="Symbol" charset="2"/>
+              <a:buChar char=""/>
+            </a:pPr>
+            <a:r>
+              <a:rPr b="0" lang="es-ES" sz="2000" strike="noStrike" u="none">
+                <a:solidFill>
+                  <a:srgbClr val="666666"/>
+                </a:solidFill>
+                <a:effectLst/>
+                <a:uFillTx/>
+                <a:latin typeface="DejaVu Sans"/>
+              </a:rPr>
+              <a:t>Energía generada (MWh)</a:t>
             </a:r>
             <a:endParaRPr b="0" lang="es-ES" sz="2000" strike="noStrike" u="none">
               <a:solidFill>
@@ -5816,7 +4922,7 @@
                 <a:uFillTx/>
                 <a:latin typeface="DejaVu Sans"/>
               </a:rPr>
-              <a:t>Óxidos de nitrógeno (NO y NO₂)</a:t>
+              <a:t>AEMET: descarga manual datasets de estaciones con API con datos mensuales en ficheros JSON. Importamos como DataFrame.</a:t>
             </a:r>
             <a:endParaRPr b="0" lang="es-ES" sz="2000" strike="noStrike" u="none">
               <a:solidFill>
@@ -5851,7 +4957,7 @@
                 <a:uFillTx/>
                 <a:latin typeface="DejaVu Sans"/>
               </a:rPr>
-              <a:t>Ozono troposférico (O₃)</a:t>
+              <a:t>Split para descomponer Año y mes y creamos columna para asociar CCAA a cada estación</a:t>
             </a:r>
             <a:endParaRPr b="0" lang="es-ES" sz="2000" strike="noStrike" u="none">
               <a:solidFill>
@@ -5886,7 +4992,7 @@
                 <a:uFillTx/>
                 <a:latin typeface="DejaVu Sans"/>
               </a:rPr>
-              <a:t>Monóxido de carbono (CO)</a:t>
+              <a:t>MERGE con estos campos de ambos datasets para obtener dataset origen para predicciones.</a:t>
             </a:r>
             <a:endParaRPr b="0" lang="es-ES" sz="2000" strike="noStrike" u="none">
               <a:solidFill>
@@ -5898,83 +5004,13 @@
             </a:endParaRPr>
           </a:p>
           <a:p>
-            <a:pPr marL="432000" indent="-324000">
+            <a:pPr indent="0">
               <a:spcBef>
                 <a:spcPts val="1191"/>
               </a:spcBef>
               <a:spcAft>
                 <a:spcPts val="992"/>
               </a:spcAft>
-              <a:buClr>
-                <a:srgbClr val="666666"/>
-              </a:buClr>
-              <a:buSzPct val="45000"/>
-              <a:buFont typeface="Wingdings" charset="2"/>
-              <a:buChar char=""/>
-            </a:pPr>
-            <a:r>
-              <a:rPr b="1" lang="es-ES" sz="2000" strike="noStrike" u="none">
-                <a:solidFill>
-                  <a:srgbClr val="666666"/>
-                </a:solidFill>
-                <a:effectLst/>
-                <a:uFillTx/>
-                <a:latin typeface="DejaVu Sans"/>
-              </a:rPr>
-              <a:t>Benceno (C₆H₆)</a:t>
-            </a:r>
-            <a:endParaRPr b="0" lang="es-ES" sz="2000" strike="noStrike" u="none">
-              <a:solidFill>
-                <a:srgbClr val="666666"/>
-              </a:solidFill>
-              <a:effectLst/>
-              <a:uFillTx/>
-              <a:latin typeface="DejaVu Sans"/>
-            </a:endParaRPr>
-          </a:p>
-          <a:p>
-            <a:pPr marL="432000" indent="-324000">
-              <a:spcBef>
-                <a:spcPts val="1191"/>
-              </a:spcBef>
-              <a:spcAft>
-                <a:spcPts val="992"/>
-              </a:spcAft>
-              <a:buClr>
-                <a:srgbClr val="666666"/>
-              </a:buClr>
-              <a:buSzPct val="45000"/>
-              <a:buFont typeface="Wingdings" charset="2"/>
-              <a:buChar char=""/>
-            </a:pPr>
-            <a:r>
-              <a:rPr b="1" lang="es-ES" sz="2000" strike="noStrike" u="none">
-                <a:solidFill>
-                  <a:srgbClr val="666666"/>
-                </a:solidFill>
-                <a:effectLst/>
-                <a:uFillTx/>
-                <a:latin typeface="DejaVu Sans"/>
-              </a:rPr>
-              <a:t>Partículas en suspensión (PM₁₀ y PM₂,₅)</a:t>
-            </a:r>
-            <a:endParaRPr b="0" lang="es-ES" sz="2000" strike="noStrike" u="none">
-              <a:solidFill>
-                <a:srgbClr val="666666"/>
-              </a:solidFill>
-              <a:effectLst/>
-              <a:uFillTx/>
-              <a:latin typeface="DejaVu Sans"/>
-            </a:endParaRPr>
-          </a:p>
-          <a:p>
-            <a:pPr indent="0" algn="ctr">
-              <a:spcBef>
-                <a:spcPts val="1191"/>
-              </a:spcBef>
-              <a:spcAft>
-                <a:spcPts val="992"/>
-              </a:spcAft>
               <a:buNone/>
             </a:pPr>
             <a:endParaRPr b="0" lang="es-ES" sz="2400" strike="noStrike" u="none">
@@ -5988,44 +5024,16 @@
           </a:p>
         </p:txBody>
       </p:sp>
-      <p:pic>
-        <p:nvPicPr>
-          <p:cNvPr id="64" name="" descr=""/>
-          <p:cNvPicPr/>
+      <p:sp>
+        <p:nvSpPr>
+          <p:cNvPr id="61" name=""/>
+          <p:cNvSpPr txBox="1"/>
           <p:nvPr/>
-        </p:nvPicPr>
-        <p:blipFill>
-          <a:blip r:embed="rId1"/>
-          <a:stretch/>
-        </p:blipFill>
+        </p:nvSpPr>
         <p:spPr>
           <a:xfrm>
-            <a:off x="1980000" y="478800"/>
-            <a:ext cx="6480000" cy="2041200"/>
-          </a:xfrm>
-          <a:prstGeom prst="rect">
-            <a:avLst/>
-          </a:prstGeom>
-          <a:noFill/>
-          <a:ln w="18000">
-            <a:noFill/>
-          </a:ln>
-        </p:spPr>
-      </p:pic>
-      <p:sp>
-        <p:nvSpPr>
-          <p:cNvPr id="65" name="PlaceHolder 2"/>
-          <p:cNvSpPr>
-            <a:spLocks noGrp="1"/>
-          </p:cNvSpPr>
-          <p:nvPr>
-            <p:ph type="title"/>
-          </p:nvPr>
-        </p:nvSpPr>
-        <p:spPr>
-          <a:xfrm>
-            <a:off x="720000" y="0"/>
-            <a:ext cx="8640000" cy="900000"/>
+            <a:off x="1080000" y="360"/>
+            <a:ext cx="7740000" cy="945720"/>
           </a:xfrm>
           <a:prstGeom prst="rect">
             <a:avLst/>
@@ -6036,47 +5044,44 @@
           </a:ln>
         </p:spPr>
         <p:txBody>
-          <a:bodyPr lIns="0" rIns="0" tIns="0" bIns="0" anchor="ctr">
+          <a:bodyPr lIns="0" rIns="0" tIns="0" bIns="0" anchor="ctr" anchorCtr="1">
             <a:spAutoFit/>
           </a:bodyPr>
           <a:p>
-            <a:pPr indent="0" algn="ctr">
-              <a:buNone/>
-            </a:pPr>
-            <a:r>
-              <a:rPr b="1" lang="es-ES" sz="4000" strike="noStrike" u="none">
-                <a:solidFill>
-                  <a:srgbClr val="3465a4"/>
-                </a:solidFill>
-                <a:effectLst/>
-                <a:uFillTx/>
-                <a:latin typeface="DejaVu Sans"/>
-              </a:rPr>
-              <a:t>ICA – Indices Calidad</a:t>
-            </a:r>
-            <a:r>
-              <a:rPr b="0" lang="es-ES" sz="3200" strike="noStrike" u="none">
-                <a:solidFill>
-                  <a:srgbClr val="333333"/>
-                </a:solidFill>
-                <a:effectLst/>
-                <a:uFillTx/>
-                <a:latin typeface="DejaVu Sans"/>
-              </a:rPr>
-              <a:t> </a:t>
-            </a:r>
-            <a:r>
-              <a:rPr b="1" lang="es-ES" sz="4000" strike="noStrike" u="none">
-                <a:solidFill>
-                  <a:srgbClr val="3465a4"/>
-                </a:solidFill>
-                <a:effectLst/>
-                <a:uFillTx/>
-                <a:latin typeface="DejaVu Sans"/>
-              </a:rPr>
-              <a:t>Aire</a:t>
-            </a:r>
-            <a:endParaRPr b="0" lang="es-ES" sz="4000" strike="noStrike" u="none">
+            <a:pPr algn="ctr">
+              <a:spcBef>
+                <a:spcPts val="1191"/>
+              </a:spcBef>
+              <a:spcAft>
+                <a:spcPts val="992"/>
+              </a:spcAft>
+            </a:pPr>
+            <a:r>
+              <a:rPr b="1" lang="es-ES" sz="3200" strike="noStrike" u="none">
+                <a:solidFill>
+                  <a:srgbClr val="5b277d"/>
+                </a:solidFill>
+                <a:effectLst/>
+                <a:uFillTx/>
+                <a:latin typeface="DejaVu Sans"/>
+              </a:rPr>
+              <a:t>PREDICCIÓN GENERACIÓN SOLAR</a:t>
+            </a:r>
+            <a:br>
+              <a:rPr sz="3200"/>
+            </a:br>
+            <a:r>
+              <a:rPr b="1" lang="es-ES" sz="3200" strike="noStrike" u="none">
+                <a:solidFill>
+                  <a:srgbClr val="5b277d"/>
+                </a:solidFill>
+                <a:effectLst/>
+                <a:uFillTx/>
+                <a:latin typeface="DejaVu Sans"/>
+              </a:rPr>
+              <a:t>- LIMPIEZA Y TRANSFORMACIÓN -</a:t>
+            </a:r>
+            <a:endParaRPr b="0" lang="es-ES" sz="3200" strike="noStrike" u="none">
               <a:solidFill>
                 <a:srgbClr val="333333"/>
               </a:solidFill>
@@ -6089,55 +5094,7 @@
       </p:sp>
       <p:sp>
         <p:nvSpPr>
-          <p:cNvPr id="66" name=""/>
-          <p:cNvSpPr txBox="1"/>
-          <p:nvPr/>
-        </p:nvSpPr>
-        <p:spPr>
-          <a:xfrm>
-            <a:off x="2520000" y="5220000"/>
-            <a:ext cx="5940000" cy="540000"/>
-          </a:xfrm>
-          <a:prstGeom prst="rect">
-            <a:avLst/>
-          </a:prstGeom>
-          <a:noFill/>
-          <a:ln w="18000">
-            <a:noFill/>
-          </a:ln>
-        </p:spPr>
-        <p:txBody>
-          <a:bodyPr lIns="90000" rIns="90000" tIns="45000" bIns="45000" anchor="t" anchorCtr="1">
-            <a:noAutofit/>
-          </a:bodyPr>
-          <a:p>
-            <a:pPr algn="ctr"/>
-            <a:r>
-              <a:rPr b="0" lang="es-ES" sz="1800" strike="noStrike" u="none">
-                <a:solidFill>
-                  <a:srgbClr val="000000"/>
-                </a:solidFill>
-                <a:effectLst/>
-                <a:uFillTx/>
-                <a:latin typeface="DejaVu Sans"/>
-                <a:hlinkClick r:id="rId2"/>
-              </a:rPr>
-              <a:t>Red de Control de Calidad del Aire</a:t>
-            </a:r>
-            <a:endParaRPr b="0" lang="es-ES" sz="1800" strike="noStrike" u="none">
-              <a:solidFill>
-                <a:srgbClr val="000000"/>
-              </a:solidFill>
-              <a:effectLst/>
-              <a:uFillTx/>
-              <a:latin typeface="DejaVu Sans"/>
-            </a:endParaRPr>
-          </a:p>
-        </p:txBody>
-      </p:sp>
-      <p:sp>
-        <p:nvSpPr>
-          <p:cNvPr id="4" name="PlaceHolder 3"/>
+          <p:cNvPr id="3" name="PlaceHolder 2"/>
           <p:cNvSpPr>
             <a:spLocks noGrp="1"/>
           </p:cNvSpPr>
@@ -6149,7 +5106,7 @@
         <p:txBody>
           <a:bodyPr/>
           <a:p>
-            <a:fld id="{BFB817DD-EABC-4B86-A3C1-4710C25BA665}" type="slidenum">
+            <a:fld id="{5B6849CD-3C13-4A2B-8E5F-FE572C53A978}" type="slidenum">
               <a:t>3</a:t>
             </a:fld>
           </a:p>
@@ -6187,18 +5144,18 @@
       </p:grpSpPr>
       <p:sp>
         <p:nvSpPr>
-          <p:cNvPr id="67" name="PlaceHolder 1"/>
+          <p:cNvPr id="62" name="PlaceHolder 1"/>
           <p:cNvSpPr>
             <a:spLocks noGrp="1"/>
           </p:cNvSpPr>
           <p:nvPr>
-            <p:ph type="title"/>
+            <p:ph/>
           </p:nvPr>
         </p:nvSpPr>
         <p:spPr>
           <a:xfrm>
-            <a:off x="720000" y="218520"/>
-            <a:ext cx="8640000" cy="1183320"/>
+            <a:off x="0" y="946080"/>
+            <a:ext cx="5400000" cy="4500000"/>
           </a:xfrm>
           <a:prstGeom prst="rect">
             <a:avLst/>
@@ -6209,49 +5166,260 @@
           </a:ln>
         </p:spPr>
         <p:txBody>
-          <a:bodyPr lIns="0" rIns="0" tIns="0" bIns="0" anchor="ctr">
-            <a:spAutoFit/>
+          <a:bodyPr lIns="0" rIns="0" tIns="0" bIns="0" anchor="t">
+            <a:normAutofit lnSpcReduction="9999"/>
           </a:bodyPr>
           <a:p>
             <a:pPr indent="0" algn="ctr">
+              <a:spcBef>
+                <a:spcPts val="1191"/>
+              </a:spcBef>
+              <a:spcAft>
+                <a:spcPts val="992"/>
+              </a:spcAft>
               <a:buNone/>
             </a:pPr>
-            <a:r>
-              <a:rPr b="1" lang="es-ES" sz="4000" strike="noStrike" u="none">
-                <a:solidFill>
-                  <a:srgbClr val="5b277d"/>
-                </a:solidFill>
-                <a:effectLst/>
-                <a:uFillTx/>
-                <a:latin typeface="DejaVu Sans"/>
-              </a:rPr>
-              <a:t>¿Se han reducido los ICA en las ZBE?</a:t>
-            </a:r>
-            <a:endParaRPr b="0" lang="es-ES" sz="4000" strike="noStrike" u="none">
-              <a:solidFill>
-                <a:srgbClr val="333333"/>
-              </a:solidFill>
-              <a:effectLst/>
-              <a:uFillTx/>
-              <a:latin typeface="DejaVu Sans"/>
-            </a:endParaRPr>
-          </a:p>
-        </p:txBody>
-      </p:sp>
-      <p:sp>
-        <p:nvSpPr>
-          <p:cNvPr id="68" name="PlaceHolder 2"/>
-          <p:cNvSpPr>
-            <a:spLocks noGrp="1"/>
-          </p:cNvSpPr>
-          <p:nvPr>
-            <p:ph/>
-          </p:nvPr>
+            <a:endParaRPr b="0" lang="es-ES" sz="2000" strike="noStrike" u="none">
+              <a:solidFill>
+                <a:srgbClr val="666666"/>
+              </a:solidFill>
+              <a:effectLst/>
+              <a:uFillTx/>
+              <a:latin typeface="DejaVu Sans"/>
+            </a:endParaRPr>
+          </a:p>
+          <a:p>
+            <a:pPr marL="432000" indent="-324000">
+              <a:spcBef>
+                <a:spcPts val="1191"/>
+              </a:spcBef>
+              <a:spcAft>
+                <a:spcPts val="992"/>
+              </a:spcAft>
+              <a:buClr>
+                <a:srgbClr val="666666"/>
+              </a:buClr>
+              <a:buSzPct val="45000"/>
+              <a:buFont typeface="Wingdings" charset="2"/>
+              <a:buChar char=""/>
+            </a:pPr>
+            <a:r>
+              <a:rPr b="1" lang="es-ES" sz="2000" strike="noStrike" u="none">
+                <a:solidFill>
+                  <a:srgbClr val="666666"/>
+                </a:solidFill>
+                <a:effectLst/>
+                <a:uFillTx/>
+                <a:latin typeface="DejaVu Sans"/>
+              </a:rPr>
+              <a:t>Analizamos correlación de campos para reducir columnas: 50 inicialmente.</a:t>
+            </a:r>
+            <a:endParaRPr b="0" lang="es-ES" sz="2000" strike="noStrike" u="none">
+              <a:solidFill>
+                <a:srgbClr val="666666"/>
+              </a:solidFill>
+              <a:effectLst/>
+              <a:uFillTx/>
+              <a:latin typeface="DejaVu Sans"/>
+            </a:endParaRPr>
+          </a:p>
+          <a:p>
+            <a:pPr lvl="1" marL="864000" indent="-324000">
+              <a:spcAft>
+                <a:spcPts val="850"/>
+              </a:spcAft>
+              <a:buClr>
+                <a:srgbClr val="666666"/>
+              </a:buClr>
+              <a:buSzPct val="75000"/>
+              <a:buFont typeface="Symbol" charset="2"/>
+              <a:buChar char=""/>
+            </a:pPr>
+            <a:r>
+              <a:rPr b="0" lang="es-ES" sz="2000" strike="noStrike" u="none">
+                <a:solidFill>
+                  <a:srgbClr val="666666"/>
+                </a:solidFill>
+                <a:effectLst/>
+                <a:uFillTx/>
+                <a:latin typeface="DejaVu Sans"/>
+              </a:rPr>
+              <a:t>Hay columnas con datos maximos, mínimos y medios de la misma variable.</a:t>
+            </a:r>
+            <a:endParaRPr b="0" lang="es-ES" sz="2000" strike="noStrike" u="none">
+              <a:solidFill>
+                <a:srgbClr val="666666"/>
+              </a:solidFill>
+              <a:effectLst/>
+              <a:uFillTx/>
+              <a:latin typeface="DejaVu Sans"/>
+            </a:endParaRPr>
+          </a:p>
+          <a:p>
+            <a:pPr marL="432000" indent="-324000">
+              <a:spcBef>
+                <a:spcPts val="1191"/>
+              </a:spcBef>
+              <a:spcAft>
+                <a:spcPts val="992"/>
+              </a:spcAft>
+              <a:buClr>
+                <a:srgbClr val="666666"/>
+              </a:buClr>
+              <a:buSzPct val="45000"/>
+              <a:buFont typeface="Wingdings" charset="2"/>
+              <a:buChar char=""/>
+            </a:pPr>
+            <a:r>
+              <a:rPr b="1" lang="es-ES" sz="2000" strike="noStrike" u="none">
+                <a:solidFill>
+                  <a:srgbClr val="666666"/>
+                </a:solidFill>
+                <a:effectLst/>
+                <a:uFillTx/>
+                <a:latin typeface="DejaVu Sans"/>
+              </a:rPr>
+              <a:t>Tratamiento de nulos:</a:t>
+            </a:r>
+            <a:endParaRPr b="0" lang="es-ES" sz="2000" strike="noStrike" u="none">
+              <a:solidFill>
+                <a:srgbClr val="666666"/>
+              </a:solidFill>
+              <a:effectLst/>
+              <a:uFillTx/>
+              <a:latin typeface="DejaVu Sans"/>
+            </a:endParaRPr>
+          </a:p>
+          <a:p>
+            <a:pPr lvl="1" marL="864000" indent="-324000">
+              <a:spcAft>
+                <a:spcPts val="850"/>
+              </a:spcAft>
+              <a:buClr>
+                <a:srgbClr val="666666"/>
+              </a:buClr>
+              <a:buSzPct val="75000"/>
+              <a:buFont typeface="Symbol" charset="2"/>
+              <a:buChar char=""/>
+            </a:pPr>
+            <a:r>
+              <a:rPr b="0" lang="es-ES" sz="2000" strike="noStrike" u="none">
+                <a:solidFill>
+                  <a:srgbClr val="666666"/>
+                </a:solidFill>
+                <a:effectLst/>
+                <a:uFillTx/>
+                <a:latin typeface="DejaVu Sans"/>
+              </a:rPr>
+              <a:t>Eliminación de registros y columnas con mayoría nulos.</a:t>
+            </a:r>
+            <a:endParaRPr b="0" lang="es-ES" sz="2000" strike="noStrike" u="none">
+              <a:solidFill>
+                <a:srgbClr val="666666"/>
+              </a:solidFill>
+              <a:effectLst/>
+              <a:uFillTx/>
+              <a:latin typeface="DejaVu Sans"/>
+            </a:endParaRPr>
+          </a:p>
+          <a:p>
+            <a:pPr lvl="1" marL="864000" indent="-324000">
+              <a:spcAft>
+                <a:spcPts val="850"/>
+              </a:spcAft>
+              <a:buClr>
+                <a:srgbClr val="666666"/>
+              </a:buClr>
+              <a:buSzPct val="75000"/>
+              <a:buFont typeface="Symbol" charset="2"/>
+              <a:buChar char=""/>
+            </a:pPr>
+            <a:r>
+              <a:rPr b="0" lang="es-ES" sz="2000" strike="noStrike" u="none">
+                <a:solidFill>
+                  <a:srgbClr val="666666"/>
+                </a:solidFill>
+                <a:effectLst/>
+                <a:uFillTx/>
+                <a:latin typeface="DejaVu Sans"/>
+              </a:rPr>
+              <a:t>Relleno resto nulos (media o bfill).</a:t>
+            </a:r>
+            <a:endParaRPr b="0" lang="es-ES" sz="2000" strike="noStrike" u="none">
+              <a:solidFill>
+                <a:srgbClr val="666666"/>
+              </a:solidFill>
+              <a:effectLst/>
+              <a:uFillTx/>
+              <a:latin typeface="DejaVu Sans"/>
+            </a:endParaRPr>
+          </a:p>
+          <a:p>
+            <a:pPr marL="432000" indent="-324000">
+              <a:spcBef>
+                <a:spcPts val="1191"/>
+              </a:spcBef>
+              <a:spcAft>
+                <a:spcPts val="992"/>
+              </a:spcAft>
+              <a:buClr>
+                <a:srgbClr val="666666"/>
+              </a:buClr>
+              <a:buSzPct val="45000"/>
+              <a:buFont typeface="Wingdings" charset="2"/>
+              <a:buChar char=""/>
+            </a:pPr>
+            <a:r>
+              <a:rPr b="1" lang="es-ES" sz="2000" strike="noStrike" u="none">
+                <a:solidFill>
+                  <a:srgbClr val="666666"/>
+                </a:solidFill>
+                <a:effectLst/>
+                <a:uFillTx/>
+                <a:latin typeface="DejaVu Sans"/>
+              </a:rPr>
+              <a:t>Codificación columnas texto (estaciones).</a:t>
+            </a:r>
+            <a:endParaRPr b="0" lang="es-ES" sz="2000" strike="noStrike" u="none">
+              <a:solidFill>
+                <a:srgbClr val="666666"/>
+              </a:solidFill>
+              <a:effectLst/>
+              <a:uFillTx/>
+              <a:latin typeface="DejaVu Sans"/>
+            </a:endParaRPr>
+          </a:p>
+          <a:p>
+            <a:pPr indent="0">
+              <a:spcBef>
+                <a:spcPts val="1191"/>
+              </a:spcBef>
+              <a:spcAft>
+                <a:spcPts val="992"/>
+              </a:spcAft>
+              <a:buNone/>
+            </a:pPr>
+            <a:endParaRPr b="0" lang="es-ES" sz="2400" strike="noStrike" u="none">
+              <a:solidFill>
+                <a:srgbClr val="666666"/>
+              </a:solidFill>
+              <a:effectLst/>
+              <a:uFillTx/>
+              <a:latin typeface="DejaVu Sans"/>
+            </a:endParaRPr>
+          </a:p>
+        </p:txBody>
+      </p:sp>
+      <p:sp>
+        <p:nvSpPr>
+          <p:cNvPr id="63" name=""/>
+          <p:cNvSpPr txBox="1"/>
+          <p:nvPr/>
         </p:nvSpPr>
         <p:spPr>
           <a:xfrm>
-            <a:off x="0" y="1440000"/>
-            <a:ext cx="5580000" cy="3600000"/>
+            <a:off x="1080000" y="360"/>
+            <a:ext cx="7740000" cy="945720"/>
           </a:xfrm>
           <a:prstGeom prst="rect">
             <a:avLst/>
@@ -6262,44 +5430,46 @@
           </a:ln>
         </p:spPr>
         <p:txBody>
-          <a:bodyPr lIns="0" rIns="0" tIns="0" bIns="0" anchor="t">
-            <a:normAutofit/>
+          <a:bodyPr lIns="0" rIns="0" tIns="0" bIns="0" anchor="ctr" anchorCtr="1">
+            <a:spAutoFit/>
           </a:bodyPr>
           <a:p>
-            <a:pPr indent="0">
+            <a:pPr algn="ctr">
               <a:spcBef>
                 <a:spcPts val="1191"/>
               </a:spcBef>
               <a:spcAft>
                 <a:spcPts val="992"/>
               </a:spcAft>
-              <a:buNone/>
-            </a:pPr>
-            <a:r>
-              <a:rPr b="1" lang="es-ES" sz="2000" strike="noStrike" u="none">
-                <a:solidFill>
-                  <a:srgbClr val="000000"/>
-                </a:solidFill>
-                <a:effectLst/>
-                <a:uFillTx/>
-                <a:latin typeface="DejaVu Sans"/>
-              </a:rPr>
-              <a:t>BILBAO</a:t>
-            </a:r>
-            <a:r>
-              <a:rPr b="1" lang="es-ES" sz="2000" strike="noStrike" u="none">
-                <a:solidFill>
-                  <a:srgbClr val="000000"/>
-                </a:solidFill>
-                <a:effectLst/>
-                <a:uFillTx/>
-                <a:latin typeface="DejaVu Sans"/>
-              </a:rPr>
-              <a:t> – ICA CO</a:t>
-            </a:r>
-            <a:endParaRPr b="0" lang="es-ES" sz="2000" strike="noStrike" u="none">
-              <a:solidFill>
-                <a:srgbClr val="666666"/>
+            </a:pPr>
+            <a:r>
+              <a:rPr b="1" lang="es-ES" sz="3200" strike="noStrike" u="none">
+                <a:solidFill>
+                  <a:srgbClr val="5b277d"/>
+                </a:solidFill>
+                <a:effectLst/>
+                <a:uFillTx/>
+                <a:latin typeface="DejaVu Sans"/>
+              </a:rPr>
+              <a:t>PREDICCIÓN GENERACIÓN SOLAR</a:t>
+            </a:r>
+            <a:br>
+              <a:rPr sz="3200"/>
+            </a:br>
+            <a:r>
+              <a:rPr b="1" lang="es-ES" sz="3200" strike="noStrike" u="none">
+                <a:solidFill>
+                  <a:srgbClr val="5b277d"/>
+                </a:solidFill>
+                <a:effectLst/>
+                <a:uFillTx/>
+                <a:latin typeface="DejaVu Sans"/>
+              </a:rPr>
+              <a:t>- LIMPIEZA Y TRANSFORMACIÓN -</a:t>
+            </a:r>
+            <a:endParaRPr b="0" lang="es-ES" sz="3200" strike="noStrike" u="none">
+              <a:solidFill>
+                <a:srgbClr val="333333"/>
               </a:solidFill>
               <a:effectLst/>
               <a:uFillTx/>
@@ -6310,7 +5480,7 @@
       </p:sp>
       <p:pic>
         <p:nvPicPr>
-          <p:cNvPr id="69" name="" descr=""/>
+          <p:cNvPr id="64" name="" descr=""/>
           <p:cNvPicPr/>
           <p:nvPr/>
         </p:nvPicPr>
@@ -6320,8 +5490,8 @@
         </p:blipFill>
         <p:spPr>
           <a:xfrm>
-            <a:off x="51120" y="1896120"/>
-            <a:ext cx="5060880" cy="3323880"/>
+            <a:off x="5400000" y="900000"/>
+            <a:ext cx="4690440" cy="4983480"/>
           </a:xfrm>
           <a:prstGeom prst="rect">
             <a:avLst/>
@@ -6334,101 +5504,7 @@
       </p:pic>
       <p:sp>
         <p:nvSpPr>
-          <p:cNvPr id="70" name="PlaceHolder 3"/>
-          <p:cNvSpPr>
-            <a:spLocks noGrp="1"/>
-          </p:cNvSpPr>
-          <p:nvPr>
-            <p:ph/>
-          </p:nvPr>
-        </p:nvSpPr>
-        <p:spPr>
-          <a:xfrm>
-            <a:off x="4680000" y="1440000"/>
-            <a:ext cx="5580000" cy="3600000"/>
-          </a:xfrm>
-          <a:prstGeom prst="rect">
-            <a:avLst/>
-          </a:prstGeom>
-          <a:noFill/>
-          <a:ln w="0">
-            <a:noFill/>
-          </a:ln>
-        </p:spPr>
-        <p:txBody>
-          <a:bodyPr lIns="0" rIns="0" tIns="0" bIns="0" anchor="t">
-            <a:normAutofit/>
-          </a:bodyPr>
-          <a:p>
-            <a:pPr indent="0">
-              <a:spcBef>
-                <a:spcPts val="1191"/>
-              </a:spcBef>
-              <a:spcAft>
-                <a:spcPts val="992"/>
-              </a:spcAft>
-              <a:buNone/>
-            </a:pPr>
-            <a:r>
-              <a:rPr b="1" lang="es-ES" sz="2000" strike="noStrike" u="none">
-                <a:solidFill>
-                  <a:srgbClr val="000000"/>
-                </a:solidFill>
-                <a:effectLst/>
-                <a:uFillTx/>
-                <a:latin typeface="DejaVu Sans"/>
-              </a:rPr>
-              <a:t>BILBAO</a:t>
-            </a:r>
-            <a:r>
-              <a:rPr b="1" lang="es-ES" sz="2000" strike="noStrike" u="none">
-                <a:solidFill>
-                  <a:srgbClr val="000000"/>
-                </a:solidFill>
-                <a:effectLst/>
-                <a:uFillTx/>
-                <a:latin typeface="DejaVu Sans"/>
-              </a:rPr>
-              <a:t> – ICA NO2</a:t>
-            </a:r>
-            <a:endParaRPr b="0" lang="es-ES" sz="2000" strike="noStrike" u="none">
-              <a:solidFill>
-                <a:srgbClr val="666666"/>
-              </a:solidFill>
-              <a:effectLst/>
-              <a:uFillTx/>
-              <a:latin typeface="DejaVu Sans"/>
-            </a:endParaRPr>
-          </a:p>
-        </p:txBody>
-      </p:sp>
-      <p:pic>
-        <p:nvPicPr>
-          <p:cNvPr id="71" name="" descr=""/>
-          <p:cNvPicPr/>
-          <p:nvPr/>
-        </p:nvPicPr>
-        <p:blipFill>
-          <a:blip r:embed="rId2"/>
-          <a:stretch/>
-        </p:blipFill>
-        <p:spPr>
-          <a:xfrm>
-            <a:off x="4983120" y="1857960"/>
-            <a:ext cx="5060880" cy="3323880"/>
-          </a:xfrm>
-          <a:prstGeom prst="rect">
-            <a:avLst/>
-          </a:prstGeom>
-          <a:noFill/>
-          <a:ln w="18000">
-            <a:noFill/>
-          </a:ln>
-        </p:spPr>
-      </p:pic>
-      <p:sp>
-        <p:nvSpPr>
-          <p:cNvPr id="5" name="PlaceHolder 4"/>
+          <p:cNvPr id="3" name="PlaceHolder 2"/>
           <p:cNvSpPr>
             <a:spLocks noGrp="1"/>
           </p:cNvSpPr>
@@ -6440,7 +5516,7 @@
         <p:txBody>
           <a:bodyPr/>
           <a:p>
-            <a:fld id="{0CDACBD1-E322-46E6-92FE-4E0A038D0539}" type="slidenum">
+            <a:fld id="{98823D68-0D2C-43EF-82EA-D7CE6E8E49B9}" type="slidenum">
               <a:t>4</a:t>
             </a:fld>
           </a:p>
@@ -6478,18 +5554,18 @@
       </p:grpSpPr>
       <p:sp>
         <p:nvSpPr>
-          <p:cNvPr id="72" name="PlaceHolder 1"/>
+          <p:cNvPr id="65" name="PlaceHolder 1"/>
           <p:cNvSpPr>
             <a:spLocks noGrp="1"/>
           </p:cNvSpPr>
           <p:nvPr>
-            <p:ph type="title"/>
+            <p:ph/>
           </p:nvPr>
         </p:nvSpPr>
         <p:spPr>
           <a:xfrm>
-            <a:off x="720000" y="218520"/>
-            <a:ext cx="8640000" cy="1183320"/>
+            <a:off x="900000" y="1080000"/>
+            <a:ext cx="8460000" cy="4500000"/>
           </a:xfrm>
           <a:prstGeom prst="rect">
             <a:avLst/>
@@ -6500,49 +5576,221 @@
           </a:ln>
         </p:spPr>
         <p:txBody>
-          <a:bodyPr lIns="0" rIns="0" tIns="0" bIns="0" anchor="ctr">
-            <a:spAutoFit/>
+          <a:bodyPr lIns="0" rIns="0" tIns="0" bIns="0" anchor="t">
+            <a:normAutofit/>
           </a:bodyPr>
           <a:p>
             <a:pPr indent="0" algn="ctr">
+              <a:spcBef>
+                <a:spcPts val="1191"/>
+              </a:spcBef>
+              <a:spcAft>
+                <a:spcPts val="992"/>
+              </a:spcAft>
               <a:buNone/>
             </a:pPr>
-            <a:r>
-              <a:rPr b="1" lang="es-ES" sz="4000" strike="noStrike" u="none">
-                <a:solidFill>
-                  <a:srgbClr val="5b277d"/>
-                </a:solidFill>
-                <a:effectLst/>
-                <a:uFillTx/>
-                <a:latin typeface="DejaVu Sans"/>
-              </a:rPr>
-              <a:t>¿Se han reducido los ICA en las ZBE?</a:t>
-            </a:r>
-            <a:endParaRPr b="0" lang="es-ES" sz="4000" strike="noStrike" u="none">
-              <a:solidFill>
-                <a:srgbClr val="333333"/>
-              </a:solidFill>
-              <a:effectLst/>
-              <a:uFillTx/>
-              <a:latin typeface="DejaVu Sans"/>
-            </a:endParaRPr>
-          </a:p>
-        </p:txBody>
-      </p:sp>
-      <p:sp>
-        <p:nvSpPr>
-          <p:cNvPr id="73" name="PlaceHolder 2"/>
-          <p:cNvSpPr>
-            <a:spLocks noGrp="1"/>
-          </p:cNvSpPr>
-          <p:nvPr>
-            <p:ph/>
-          </p:nvPr>
+            <a:endParaRPr b="0" lang="es-ES" sz="2000" strike="noStrike" u="none">
+              <a:solidFill>
+                <a:srgbClr val="666666"/>
+              </a:solidFill>
+              <a:effectLst/>
+              <a:uFillTx/>
+              <a:latin typeface="DejaVu Sans"/>
+            </a:endParaRPr>
+          </a:p>
+          <a:p>
+            <a:pPr marL="432000" indent="-324000">
+              <a:spcBef>
+                <a:spcPts val="1191"/>
+              </a:spcBef>
+              <a:spcAft>
+                <a:spcPts val="992"/>
+              </a:spcAft>
+              <a:buClr>
+                <a:srgbClr val="666666"/>
+              </a:buClr>
+              <a:buSzPct val="45000"/>
+              <a:buFont typeface="Wingdings" charset="2"/>
+              <a:buChar char=""/>
+            </a:pPr>
+            <a:r>
+              <a:rPr b="1" lang="es-ES" sz="2000" strike="noStrike" u="none">
+                <a:solidFill>
+                  <a:srgbClr val="666666"/>
+                </a:solidFill>
+                <a:effectLst/>
+                <a:uFillTx/>
+                <a:latin typeface="DejaVu Sans"/>
+              </a:rPr>
+              <a:t>Comparar modelos con datos sin nulos y con nulos.</a:t>
+            </a:r>
+            <a:endParaRPr b="0" lang="es-ES" sz="2000" strike="noStrike" u="none">
+              <a:solidFill>
+                <a:srgbClr val="666666"/>
+              </a:solidFill>
+              <a:effectLst/>
+              <a:uFillTx/>
+              <a:latin typeface="DejaVu Sans"/>
+            </a:endParaRPr>
+          </a:p>
+          <a:p>
+            <a:pPr marL="432000" indent="-324000">
+              <a:spcBef>
+                <a:spcPts val="1191"/>
+              </a:spcBef>
+              <a:spcAft>
+                <a:spcPts val="992"/>
+              </a:spcAft>
+              <a:buClr>
+                <a:srgbClr val="666666"/>
+              </a:buClr>
+              <a:buSzPct val="45000"/>
+              <a:buFont typeface="Wingdings" charset="2"/>
+              <a:buChar char=""/>
+            </a:pPr>
+            <a:r>
+              <a:rPr b="1" lang="es-ES" sz="2000" strike="noStrike" u="none">
+                <a:solidFill>
+                  <a:srgbClr val="666666"/>
+                </a:solidFill>
+                <a:effectLst/>
+                <a:uFillTx/>
+                <a:latin typeface="DejaVu Sans"/>
+              </a:rPr>
+              <a:t>Reducir variables atendiendo a la correlación con target (“Energía Solar) y entre ellas.</a:t>
+            </a:r>
+            <a:endParaRPr b="0" lang="es-ES" sz="2000" strike="noStrike" u="none">
+              <a:solidFill>
+                <a:srgbClr val="666666"/>
+              </a:solidFill>
+              <a:effectLst/>
+              <a:uFillTx/>
+              <a:latin typeface="DejaVu Sans"/>
+            </a:endParaRPr>
+          </a:p>
+          <a:p>
+            <a:pPr indent="0">
+              <a:spcBef>
+                <a:spcPts val="1191"/>
+              </a:spcBef>
+              <a:spcAft>
+                <a:spcPts val="992"/>
+              </a:spcAft>
+              <a:buNone/>
+            </a:pPr>
+            <a:endParaRPr b="0" lang="es-ES" sz="2000" strike="noStrike" u="none">
+              <a:solidFill>
+                <a:srgbClr val="666666"/>
+              </a:solidFill>
+              <a:effectLst/>
+              <a:uFillTx/>
+              <a:latin typeface="DejaVu Sans"/>
+            </a:endParaRPr>
+          </a:p>
+          <a:p>
+            <a:pPr indent="0">
+              <a:spcBef>
+                <a:spcPts val="1191"/>
+              </a:spcBef>
+              <a:spcAft>
+                <a:spcPts val="992"/>
+              </a:spcAft>
+              <a:buNone/>
+            </a:pPr>
+            <a:endParaRPr b="0" lang="es-ES" sz="2000" strike="noStrike" u="none">
+              <a:solidFill>
+                <a:srgbClr val="666666"/>
+              </a:solidFill>
+              <a:effectLst/>
+              <a:uFillTx/>
+              <a:latin typeface="DejaVu Sans"/>
+            </a:endParaRPr>
+          </a:p>
+          <a:p>
+            <a:pPr indent="0">
+              <a:spcBef>
+                <a:spcPts val="1191"/>
+              </a:spcBef>
+              <a:spcAft>
+                <a:spcPts val="992"/>
+              </a:spcAft>
+              <a:buNone/>
+            </a:pPr>
+            <a:endParaRPr b="0" lang="es-ES" sz="2000" strike="noStrike" u="none">
+              <a:solidFill>
+                <a:srgbClr val="666666"/>
+              </a:solidFill>
+              <a:effectLst/>
+              <a:uFillTx/>
+              <a:latin typeface="DejaVu Sans"/>
+            </a:endParaRPr>
+          </a:p>
+          <a:p>
+            <a:pPr marL="432000" indent="-324000">
+              <a:spcBef>
+                <a:spcPts val="1191"/>
+              </a:spcBef>
+              <a:spcAft>
+                <a:spcPts val="992"/>
+              </a:spcAft>
+              <a:buClr>
+                <a:srgbClr val="666666"/>
+              </a:buClr>
+              <a:buSzPct val="45000"/>
+              <a:buFont typeface="Wingdings" charset="2"/>
+              <a:buChar char=""/>
+            </a:pPr>
+            <a:r>
+              <a:rPr b="1" lang="es-ES" sz="2000" strike="noStrike" u="none">
+                <a:solidFill>
+                  <a:srgbClr val="666666"/>
+                </a:solidFill>
+                <a:effectLst/>
+                <a:uFillTx/>
+                <a:latin typeface="DejaVu Sans"/>
+              </a:rPr>
+              <a:t>Comprobar si hay diferencia en los resultados por usar menos variables y/o escalar.</a:t>
+            </a:r>
+            <a:endParaRPr b="0" lang="es-ES" sz="2000" strike="noStrike" u="none">
+              <a:solidFill>
+                <a:srgbClr val="666666"/>
+              </a:solidFill>
+              <a:effectLst/>
+              <a:uFillTx/>
+              <a:latin typeface="DejaVu Sans"/>
+            </a:endParaRPr>
+          </a:p>
+          <a:p>
+            <a:pPr indent="0">
+              <a:spcBef>
+                <a:spcPts val="1191"/>
+              </a:spcBef>
+              <a:spcAft>
+                <a:spcPts val="992"/>
+              </a:spcAft>
+              <a:buNone/>
+            </a:pPr>
+            <a:endParaRPr b="0" lang="es-ES" sz="2400" strike="noStrike" u="none">
+              <a:solidFill>
+                <a:srgbClr val="666666"/>
+              </a:solidFill>
+              <a:effectLst/>
+              <a:uFillTx/>
+              <a:latin typeface="DejaVu Sans"/>
+            </a:endParaRPr>
+          </a:p>
+        </p:txBody>
+      </p:sp>
+      <p:sp>
+        <p:nvSpPr>
+          <p:cNvPr id="66" name=""/>
+          <p:cNvSpPr txBox="1"/>
+          <p:nvPr/>
         </p:nvSpPr>
         <p:spPr>
           <a:xfrm>
-            <a:off x="0" y="1440000"/>
-            <a:ext cx="5580000" cy="3600000"/>
+            <a:off x="1080000" y="360"/>
+            <a:ext cx="7740000" cy="945720"/>
           </a:xfrm>
           <a:prstGeom prst="rect">
             <a:avLst/>
@@ -6553,44 +5801,46 @@
           </a:ln>
         </p:spPr>
         <p:txBody>
-          <a:bodyPr lIns="0" rIns="0" tIns="0" bIns="0" anchor="t">
-            <a:normAutofit/>
+          <a:bodyPr lIns="0" rIns="0" tIns="0" bIns="0" anchor="ctr" anchorCtr="1">
+            <a:spAutoFit/>
           </a:bodyPr>
           <a:p>
-            <a:pPr indent="0">
+            <a:pPr algn="ctr">
               <a:spcBef>
                 <a:spcPts val="1191"/>
               </a:spcBef>
               <a:spcAft>
                 <a:spcPts val="992"/>
               </a:spcAft>
-              <a:buNone/>
-            </a:pPr>
-            <a:r>
-              <a:rPr b="1" lang="es-ES" sz="2000" strike="noStrike" u="none">
-                <a:solidFill>
-                  <a:srgbClr val="000000"/>
-                </a:solidFill>
-                <a:effectLst/>
-                <a:uFillTx/>
-                <a:latin typeface="DejaVu Sans"/>
-              </a:rPr>
-              <a:t>BILBAO</a:t>
-            </a:r>
-            <a:r>
-              <a:rPr b="1" lang="es-ES" sz="2000" strike="noStrike" u="none">
-                <a:solidFill>
-                  <a:srgbClr val="000000"/>
-                </a:solidFill>
-                <a:effectLst/>
-                <a:uFillTx/>
-                <a:latin typeface="DejaVu Sans"/>
-              </a:rPr>
-              <a:t> – ICA PM10</a:t>
-            </a:r>
-            <a:endParaRPr b="0" lang="es-ES" sz="2000" strike="noStrike" u="none">
-              <a:solidFill>
-                <a:srgbClr val="666666"/>
+            </a:pPr>
+            <a:r>
+              <a:rPr b="1" lang="es-ES" sz="3200" strike="noStrike" u="none">
+                <a:solidFill>
+                  <a:srgbClr val="5b277d"/>
+                </a:solidFill>
+                <a:effectLst/>
+                <a:uFillTx/>
+                <a:latin typeface="DejaVu Sans"/>
+              </a:rPr>
+              <a:t>PREDICCIÓN GENERACIÓN SOLAR</a:t>
+            </a:r>
+            <a:br>
+              <a:rPr sz="3200"/>
+            </a:br>
+            <a:r>
+              <a:rPr b="1" lang="es-ES" sz="3200" strike="noStrike" u="none">
+                <a:solidFill>
+                  <a:srgbClr val="5b277d"/>
+                </a:solidFill>
+                <a:effectLst/>
+                <a:uFillTx/>
+                <a:latin typeface="DejaVu Sans"/>
+              </a:rPr>
+              <a:t>- MODELOS ML -</a:t>
+            </a:r>
+            <a:endParaRPr b="0" lang="es-ES" sz="3200" strike="noStrike" u="none">
+              <a:solidFill>
+                <a:srgbClr val="333333"/>
               </a:solidFill>
               <a:effectLst/>
               <a:uFillTx/>
@@ -6601,7 +5851,7 @@
       </p:sp>
       <p:pic>
         <p:nvPicPr>
-          <p:cNvPr id="74" name="" descr=""/>
+          <p:cNvPr id="67" name="" descr=""/>
           <p:cNvPicPr/>
           <p:nvPr/>
         </p:nvPicPr>
@@ -6611,8 +5861,8 @@
         </p:blipFill>
         <p:spPr>
           <a:xfrm>
-            <a:off x="51120" y="1896120"/>
-            <a:ext cx="5060880" cy="3323880"/>
+            <a:off x="360" y="2694600"/>
+            <a:ext cx="10079640" cy="1157400"/>
           </a:xfrm>
           <a:prstGeom prst="rect">
             <a:avLst/>
@@ -6625,101 +5875,7 @@
       </p:pic>
       <p:sp>
         <p:nvSpPr>
-          <p:cNvPr id="75" name="PlaceHolder 3"/>
-          <p:cNvSpPr>
-            <a:spLocks noGrp="1"/>
-          </p:cNvSpPr>
-          <p:nvPr>
-            <p:ph/>
-          </p:nvPr>
-        </p:nvSpPr>
-        <p:spPr>
-          <a:xfrm>
-            <a:off x="4680000" y="1440000"/>
-            <a:ext cx="5580000" cy="3600000"/>
-          </a:xfrm>
-          <a:prstGeom prst="rect">
-            <a:avLst/>
-          </a:prstGeom>
-          <a:noFill/>
-          <a:ln w="0">
-            <a:noFill/>
-          </a:ln>
-        </p:spPr>
-        <p:txBody>
-          <a:bodyPr lIns="0" rIns="0" tIns="0" bIns="0" anchor="t">
-            <a:normAutofit/>
-          </a:bodyPr>
-          <a:p>
-            <a:pPr indent="0">
-              <a:spcBef>
-                <a:spcPts val="1191"/>
-              </a:spcBef>
-              <a:spcAft>
-                <a:spcPts val="992"/>
-              </a:spcAft>
-              <a:buNone/>
-            </a:pPr>
-            <a:r>
-              <a:rPr b="1" lang="es-ES" sz="2000" strike="noStrike" u="none">
-                <a:solidFill>
-                  <a:srgbClr val="000000"/>
-                </a:solidFill>
-                <a:effectLst/>
-                <a:uFillTx/>
-                <a:latin typeface="DejaVu Sans"/>
-              </a:rPr>
-              <a:t>BILBAO</a:t>
-            </a:r>
-            <a:r>
-              <a:rPr b="1" lang="es-ES" sz="2000" strike="noStrike" u="none">
-                <a:solidFill>
-                  <a:srgbClr val="000000"/>
-                </a:solidFill>
-                <a:effectLst/>
-                <a:uFillTx/>
-                <a:latin typeface="DejaVu Sans"/>
-              </a:rPr>
-              <a:t> – ICA PM2,5</a:t>
-            </a:r>
-            <a:endParaRPr b="0" lang="es-ES" sz="2000" strike="noStrike" u="none">
-              <a:solidFill>
-                <a:srgbClr val="666666"/>
-              </a:solidFill>
-              <a:effectLst/>
-              <a:uFillTx/>
-              <a:latin typeface="DejaVu Sans"/>
-            </a:endParaRPr>
-          </a:p>
-        </p:txBody>
-      </p:sp>
-      <p:pic>
-        <p:nvPicPr>
-          <p:cNvPr id="76" name="" descr=""/>
-          <p:cNvPicPr/>
-          <p:nvPr/>
-        </p:nvPicPr>
-        <p:blipFill>
-          <a:blip r:embed="rId2"/>
-          <a:stretch/>
-        </p:blipFill>
-        <p:spPr>
-          <a:xfrm>
-            <a:off x="4983120" y="1857960"/>
-            <a:ext cx="5060880" cy="3323880"/>
-          </a:xfrm>
-          <a:prstGeom prst="rect">
-            <a:avLst/>
-          </a:prstGeom>
-          <a:noFill/>
-          <a:ln w="18000">
-            <a:noFill/>
-          </a:ln>
-        </p:spPr>
-      </p:pic>
-      <p:sp>
-        <p:nvSpPr>
-          <p:cNvPr id="5" name="PlaceHolder 4"/>
+          <p:cNvPr id="3" name="PlaceHolder 2"/>
           <p:cNvSpPr>
             <a:spLocks noGrp="1"/>
           </p:cNvSpPr>
@@ -6731,7 +5887,7 @@
         <p:txBody>
           <a:bodyPr/>
           <a:p>
-            <a:fld id="{D3EE3BD6-64C0-4D1F-A376-7E48A54926B0}" type="slidenum">
+            <a:fld id="{33FE839F-080D-4C8A-99D4-F6D7992294D0}" type="slidenum">
               <a:t>5</a:t>
             </a:fld>
           </a:p>
@@ -6769,18 +5925,18 @@
       </p:grpSpPr>
       <p:sp>
         <p:nvSpPr>
-          <p:cNvPr id="77" name="PlaceHolder 1"/>
+          <p:cNvPr id="68" name="PlaceHolder 1"/>
           <p:cNvSpPr>
             <a:spLocks noGrp="1"/>
           </p:cNvSpPr>
           <p:nvPr>
-            <p:ph type="title"/>
+            <p:ph/>
           </p:nvPr>
         </p:nvSpPr>
         <p:spPr>
           <a:xfrm>
-            <a:off x="720000" y="0"/>
-            <a:ext cx="8640000" cy="1951560"/>
+            <a:off x="900000" y="900000"/>
+            <a:ext cx="8460000" cy="4500000"/>
           </a:xfrm>
           <a:prstGeom prst="rect">
             <a:avLst/>
@@ -6791,183 +5947,517 @@
           </a:ln>
         </p:spPr>
         <p:txBody>
-          <a:bodyPr lIns="0" rIns="0" tIns="0" bIns="0" anchor="ctr">
-            <a:spAutoFit/>
+          <a:bodyPr lIns="0" rIns="0" tIns="0" bIns="0" anchor="t">
+            <a:normAutofit lnSpcReduction="9999"/>
           </a:bodyPr>
           <a:p>
             <a:pPr indent="0" algn="ctr">
+              <a:spcBef>
+                <a:spcPts val="1191"/>
+              </a:spcBef>
+              <a:spcAft>
+                <a:spcPts val="992"/>
+              </a:spcAft>
               <a:buNone/>
             </a:pPr>
-            <a:r>
-              <a:rPr b="1" lang="es-ES" sz="4000" strike="noStrike" u="none">
-                <a:solidFill>
-                  <a:srgbClr val="5b277d"/>
-                </a:solidFill>
-                <a:effectLst/>
-                <a:uFillTx/>
-                <a:latin typeface="DejaVu Sans"/>
-              </a:rPr>
-              <a:t>¿Se han reducido los ICA en las ZBE?</a:t>
-            </a:r>
-            <a:br>
-              <a:rPr sz="4000"/>
-            </a:br>
-            <a:r>
-              <a:rPr b="0" lang="es-ES" sz="2600" strike="noStrike" u="none">
-                <a:solidFill>
-                  <a:srgbClr val="5b277d"/>
-                </a:solidFill>
-                <a:effectLst/>
-                <a:uFillTx/>
-                <a:latin typeface="DejaVu Sans"/>
-              </a:rPr>
-              <a:t>Est. MAZARREDO</a:t>
-            </a:r>
-            <a:br>
-              <a:rPr sz="2600"/>
-            </a:br>
-            <a:r>
-              <a:rPr b="0" lang="es-ES" sz="2600" strike="noStrike" u="none">
-                <a:solidFill>
-                  <a:srgbClr val="5b277d"/>
-                </a:solidFill>
-                <a:effectLst/>
-                <a:uFillTx/>
-                <a:latin typeface="DejaVu Sans"/>
-              </a:rPr>
-              <a:t>(BILBAO)</a:t>
-            </a:r>
-            <a:endParaRPr b="0" lang="es-ES" sz="2600" strike="noStrike" u="none">
-              <a:solidFill>
-                <a:srgbClr val="333333"/>
-              </a:solidFill>
-              <a:effectLst/>
-              <a:uFillTx/>
-              <a:latin typeface="DejaVu Sans"/>
-            </a:endParaRPr>
-          </a:p>
-        </p:txBody>
-      </p:sp>
-      <p:pic>
-        <p:nvPicPr>
-          <p:cNvPr id="78" name="" descr=""/>
-          <p:cNvPicPr/>
+            <a:endParaRPr b="0" lang="es-ES" sz="2000" strike="noStrike" u="none">
+              <a:solidFill>
+                <a:srgbClr val="666666"/>
+              </a:solidFill>
+              <a:effectLst/>
+              <a:uFillTx/>
+              <a:latin typeface="DejaVu Sans"/>
+            </a:endParaRPr>
+          </a:p>
+          <a:p>
+            <a:pPr marL="432000" indent="-324000">
+              <a:spcBef>
+                <a:spcPts val="1191"/>
+              </a:spcBef>
+              <a:spcAft>
+                <a:spcPts val="992"/>
+              </a:spcAft>
+              <a:buClr>
+                <a:srgbClr val="666666"/>
+              </a:buClr>
+              <a:buSzPct val="45000"/>
+              <a:buFont typeface="Wingdings" charset="2"/>
+              <a:buChar char=""/>
+            </a:pPr>
+            <a:r>
+              <a:rPr b="1" lang="es-ES" sz="2000" strike="noStrike" u="none">
+                <a:solidFill>
+                  <a:srgbClr val="666666"/>
+                </a:solidFill>
+                <a:effectLst/>
+                <a:uFillTx/>
+                <a:latin typeface="DejaVu Sans"/>
+              </a:rPr>
+              <a:t>Best scorers</a:t>
+            </a:r>
+            <a:endParaRPr b="0" lang="es-ES" sz="2000" strike="noStrike" u="none">
+              <a:solidFill>
+                <a:srgbClr val="666666"/>
+              </a:solidFill>
+              <a:effectLst/>
+              <a:uFillTx/>
+              <a:latin typeface="DejaVu Sans"/>
+            </a:endParaRPr>
+          </a:p>
+          <a:p>
+            <a:pPr lvl="1" marL="864000" indent="-324000">
+              <a:spcAft>
+                <a:spcPts val="850"/>
+              </a:spcAft>
+              <a:buClr>
+                <a:srgbClr val="666666"/>
+              </a:buClr>
+              <a:buSzPct val="75000"/>
+              <a:buFont typeface="Symbol" charset="2"/>
+              <a:buChar char=""/>
+            </a:pPr>
+            <a:r>
+              <a:rPr b="1" lang="es-ES" sz="2000" strike="noStrike" u="none">
+                <a:solidFill>
+                  <a:srgbClr val="666666"/>
+                </a:solidFill>
+                <a:effectLst/>
+                <a:uFillTx/>
+                <a:latin typeface="DejaVu Sans"/>
+              </a:rPr>
+              <a:t>Sin nulos → Polynomial Regression</a:t>
+            </a:r>
+            <a:endParaRPr b="0" lang="es-ES" sz="2000" strike="noStrike" u="none">
+              <a:solidFill>
+                <a:srgbClr val="666666"/>
+              </a:solidFill>
+              <a:effectLst/>
+              <a:uFillTx/>
+              <a:latin typeface="DejaVu Sans"/>
+            </a:endParaRPr>
+          </a:p>
+          <a:p>
+            <a:pPr lvl="2" marL="1296000" indent="-288000">
+              <a:spcAft>
+                <a:spcPts val="635"/>
+              </a:spcAft>
+              <a:buClr>
+                <a:srgbClr val="666666"/>
+              </a:buClr>
+              <a:buSzPct val="45000"/>
+              <a:buFont typeface="Wingdings" charset="2"/>
+              <a:buChar char=""/>
+            </a:pPr>
+            <a:r>
+              <a:rPr b="1" lang="es-ES" sz="1600" strike="noStrike" u="none">
+                <a:solidFill>
+                  <a:srgbClr val="666666"/>
+                </a:solidFill>
+                <a:effectLst/>
+                <a:uFillTx/>
+                <a:latin typeface="DejaVu Sans"/>
+              </a:rPr>
+              <a:t>MAE: 140417.18</a:t>
+            </a:r>
+            <a:endParaRPr b="0" lang="es-ES" sz="1600" strike="noStrike" u="none">
+              <a:solidFill>
+                <a:srgbClr val="666666"/>
+              </a:solidFill>
+              <a:effectLst/>
+              <a:uFillTx/>
+              <a:latin typeface="DejaVu Sans"/>
+            </a:endParaRPr>
+          </a:p>
+          <a:p>
+            <a:pPr lvl="2" marL="1296000" indent="-288000">
+              <a:spcAft>
+                <a:spcPts val="635"/>
+              </a:spcAft>
+              <a:buClr>
+                <a:srgbClr val="666666"/>
+              </a:buClr>
+              <a:buSzPct val="45000"/>
+              <a:buFont typeface="Wingdings" charset="2"/>
+              <a:buChar char=""/>
+            </a:pPr>
+            <a:r>
+              <a:rPr b="1" lang="es-ES" sz="1600" strike="noStrike" u="none">
+                <a:solidFill>
+                  <a:srgbClr val="666666"/>
+                </a:solidFill>
+                <a:effectLst/>
+                <a:uFillTx/>
+                <a:latin typeface="DejaVu Sans"/>
+              </a:rPr>
+              <a:t>MAPE: 89.96</a:t>
+            </a:r>
+            <a:endParaRPr b="0" lang="es-ES" sz="1600" strike="noStrike" u="none">
+              <a:solidFill>
+                <a:srgbClr val="666666"/>
+              </a:solidFill>
+              <a:effectLst/>
+              <a:uFillTx/>
+              <a:latin typeface="DejaVu Sans"/>
+            </a:endParaRPr>
+          </a:p>
+          <a:p>
+            <a:pPr lvl="2" marL="1296000" indent="-288000">
+              <a:spcAft>
+                <a:spcPts val="635"/>
+              </a:spcAft>
+              <a:buClr>
+                <a:srgbClr val="666666"/>
+              </a:buClr>
+              <a:buSzPct val="45000"/>
+              <a:buFont typeface="Wingdings" charset="2"/>
+              <a:buChar char=""/>
+            </a:pPr>
+            <a:r>
+              <a:rPr b="1" lang="es-ES" sz="1600" strike="noStrike" u="none">
+                <a:solidFill>
+                  <a:srgbClr val="666666"/>
+                </a:solidFill>
+                <a:effectLst/>
+                <a:uFillTx/>
+                <a:latin typeface="DejaVu Sans"/>
+              </a:rPr>
+              <a:t>MSE: 41828149406.45753</a:t>
+            </a:r>
+            <a:endParaRPr b="0" lang="es-ES" sz="1600" strike="noStrike" u="none">
+              <a:solidFill>
+                <a:srgbClr val="666666"/>
+              </a:solidFill>
+              <a:effectLst/>
+              <a:uFillTx/>
+              <a:latin typeface="DejaVu Sans"/>
+            </a:endParaRPr>
+          </a:p>
+          <a:p>
+            <a:pPr lvl="2" marL="1296000" indent="-288000">
+              <a:spcAft>
+                <a:spcPts val="635"/>
+              </a:spcAft>
+              <a:buClr>
+                <a:srgbClr val="666666"/>
+              </a:buClr>
+              <a:buSzPct val="45000"/>
+              <a:buFont typeface="Wingdings" charset="2"/>
+              <a:buChar char=""/>
+            </a:pPr>
+            <a:r>
+              <a:rPr b="1" lang="es-ES" sz="1600" strike="noStrike" u="none">
+                <a:solidFill>
+                  <a:srgbClr val="666666"/>
+                </a:solidFill>
+                <a:effectLst/>
+                <a:uFillTx/>
+                <a:latin typeface="DejaVu Sans"/>
+              </a:rPr>
+              <a:t>RMSE: 204519.313</a:t>
+            </a:r>
+            <a:endParaRPr b="0" lang="es-ES" sz="1600" strike="noStrike" u="none">
+              <a:solidFill>
+                <a:srgbClr val="666666"/>
+              </a:solidFill>
+              <a:effectLst/>
+              <a:uFillTx/>
+              <a:latin typeface="DejaVu Sans"/>
+            </a:endParaRPr>
+          </a:p>
+          <a:p>
+            <a:pPr lvl="2" marL="1296000" indent="-288000">
+              <a:spcAft>
+                <a:spcPts val="635"/>
+              </a:spcAft>
+              <a:buClr>
+                <a:srgbClr val="666666"/>
+              </a:buClr>
+              <a:buSzPct val="45000"/>
+              <a:buFont typeface="Wingdings" charset="2"/>
+              <a:buChar char=""/>
+            </a:pPr>
+            <a:r>
+              <a:rPr b="1" lang="es-ES" sz="1600" strike="noStrike" u="none">
+                <a:solidFill>
+                  <a:srgbClr val="666666"/>
+                </a:solidFill>
+                <a:effectLst/>
+                <a:uFillTx/>
+                <a:latin typeface="DejaVu Sans"/>
+              </a:rPr>
+              <a:t>r2_score: 0.7221</a:t>
+            </a:r>
+            <a:endParaRPr b="0" lang="es-ES" sz="1600" strike="noStrike" u="none">
+              <a:solidFill>
+                <a:srgbClr val="666666"/>
+              </a:solidFill>
+              <a:effectLst/>
+              <a:uFillTx/>
+              <a:latin typeface="DejaVu Sans"/>
+            </a:endParaRPr>
+          </a:p>
+          <a:p>
+            <a:pPr lvl="1" marL="864000" indent="-324000">
+              <a:spcAft>
+                <a:spcPts val="850"/>
+              </a:spcAft>
+              <a:buClr>
+                <a:srgbClr val="666666"/>
+              </a:buClr>
+              <a:buSzPct val="75000"/>
+              <a:buFont typeface="Symbol" charset="2"/>
+              <a:buChar char=""/>
+            </a:pPr>
+            <a:r>
+              <a:rPr b="1" lang="es-ES" sz="2000" strike="noStrike" u="none">
+                <a:solidFill>
+                  <a:srgbClr val="666666"/>
+                </a:solidFill>
+                <a:effectLst/>
+                <a:uFillTx/>
+                <a:latin typeface="DejaVu Sans"/>
+              </a:rPr>
+              <a:t>Con nulos → XGBoost</a:t>
+            </a:r>
+            <a:endParaRPr b="0" lang="es-ES" sz="2000" strike="noStrike" u="none">
+              <a:solidFill>
+                <a:srgbClr val="666666"/>
+              </a:solidFill>
+              <a:effectLst/>
+              <a:uFillTx/>
+              <a:latin typeface="DejaVu Sans"/>
+            </a:endParaRPr>
+          </a:p>
+          <a:p>
+            <a:pPr lvl="2" marL="1296000" indent="-288000">
+              <a:spcAft>
+                <a:spcPts val="635"/>
+              </a:spcAft>
+              <a:buClr>
+                <a:srgbClr val="666666"/>
+              </a:buClr>
+              <a:buSzPct val="45000"/>
+              <a:buFont typeface="Wingdings" charset="2"/>
+              <a:buChar char=""/>
+            </a:pPr>
+            <a:r>
+              <a:rPr b="1" lang="es-ES" sz="1600" strike="noStrike" u="none">
+                <a:solidFill>
+                  <a:srgbClr val="666666"/>
+                </a:solidFill>
+                <a:effectLst/>
+                <a:uFillTx/>
+                <a:latin typeface="DejaVu Sans"/>
+              </a:rPr>
+              <a:t>MAE: 155904.87</a:t>
+            </a:r>
+            <a:endParaRPr b="0" lang="es-ES" sz="1600" strike="noStrike" u="none">
+              <a:solidFill>
+                <a:srgbClr val="666666"/>
+              </a:solidFill>
+              <a:effectLst/>
+              <a:uFillTx/>
+              <a:latin typeface="DejaVu Sans"/>
+            </a:endParaRPr>
+          </a:p>
+          <a:p>
+            <a:pPr lvl="2" marL="1296000" indent="-288000">
+              <a:spcAft>
+                <a:spcPts val="635"/>
+              </a:spcAft>
+              <a:buClr>
+                <a:srgbClr val="666666"/>
+              </a:buClr>
+              <a:buSzPct val="45000"/>
+              <a:buFont typeface="Wingdings" charset="2"/>
+              <a:buChar char=""/>
+            </a:pPr>
+            <a:r>
+              <a:rPr b="1" lang="es-ES" sz="1600" strike="noStrike" u="none">
+                <a:solidFill>
+                  <a:srgbClr val="666666"/>
+                </a:solidFill>
+                <a:effectLst/>
+                <a:uFillTx/>
+                <a:latin typeface="DejaVu Sans"/>
+              </a:rPr>
+              <a:t>MAPE: 24.698</a:t>
+            </a:r>
+            <a:endParaRPr b="0" lang="es-ES" sz="1600" strike="noStrike" u="none">
+              <a:solidFill>
+                <a:srgbClr val="666666"/>
+              </a:solidFill>
+              <a:effectLst/>
+              <a:uFillTx/>
+              <a:latin typeface="DejaVu Sans"/>
+            </a:endParaRPr>
+          </a:p>
+          <a:p>
+            <a:pPr lvl="2" marL="1296000" indent="-288000">
+              <a:spcAft>
+                <a:spcPts val="635"/>
+              </a:spcAft>
+              <a:buClr>
+                <a:srgbClr val="666666"/>
+              </a:buClr>
+              <a:buSzPct val="45000"/>
+              <a:buFont typeface="Wingdings" charset="2"/>
+              <a:buChar char=""/>
+            </a:pPr>
+            <a:r>
+              <a:rPr b="1" lang="es-ES" sz="1600" strike="noStrike" u="none">
+                <a:solidFill>
+                  <a:srgbClr val="666666"/>
+                </a:solidFill>
+                <a:effectLst/>
+                <a:uFillTx/>
+                <a:latin typeface="DejaVu Sans"/>
+              </a:rPr>
+              <a:t>MSE: 57145393324.60148</a:t>
+            </a:r>
+            <a:endParaRPr b="0" lang="es-ES" sz="1600" strike="noStrike" u="none">
+              <a:solidFill>
+                <a:srgbClr val="666666"/>
+              </a:solidFill>
+              <a:effectLst/>
+              <a:uFillTx/>
+              <a:latin typeface="DejaVu Sans"/>
+            </a:endParaRPr>
+          </a:p>
+          <a:p>
+            <a:pPr lvl="2" marL="1296000" indent="-288000">
+              <a:spcAft>
+                <a:spcPts val="635"/>
+              </a:spcAft>
+              <a:buClr>
+                <a:srgbClr val="666666"/>
+              </a:buClr>
+              <a:buSzPct val="45000"/>
+              <a:buFont typeface="Wingdings" charset="2"/>
+              <a:buChar char=""/>
+            </a:pPr>
+            <a:r>
+              <a:rPr b="1" lang="es-ES" sz="1600" strike="noStrike" u="none">
+                <a:solidFill>
+                  <a:srgbClr val="666666"/>
+                </a:solidFill>
+                <a:effectLst/>
+                <a:uFillTx/>
+                <a:latin typeface="DejaVu Sans"/>
+              </a:rPr>
+              <a:t>RMSE: 239051.026</a:t>
+            </a:r>
+            <a:endParaRPr b="0" lang="es-ES" sz="1600" strike="noStrike" u="none">
+              <a:solidFill>
+                <a:srgbClr val="666666"/>
+              </a:solidFill>
+              <a:effectLst/>
+              <a:uFillTx/>
+              <a:latin typeface="DejaVu Sans"/>
+            </a:endParaRPr>
+          </a:p>
+          <a:p>
+            <a:pPr lvl="2" marL="1296000" indent="-288000">
+              <a:spcAft>
+                <a:spcPts val="635"/>
+              </a:spcAft>
+              <a:buClr>
+                <a:srgbClr val="666666"/>
+              </a:buClr>
+              <a:buSzPct val="45000"/>
+              <a:buFont typeface="Wingdings" charset="2"/>
+              <a:buChar char=""/>
+            </a:pPr>
+            <a:r>
+              <a:rPr b="1" lang="es-ES" sz="1600" strike="noStrike" u="none">
+                <a:solidFill>
+                  <a:srgbClr val="666666"/>
+                </a:solidFill>
+                <a:effectLst/>
+                <a:uFillTx/>
+                <a:latin typeface="DejaVu Sans"/>
+              </a:rPr>
+              <a:t>r2_score: 0.7218</a:t>
+            </a:r>
+            <a:endParaRPr b="0" lang="es-ES" sz="1600" strike="noStrike" u="none">
+              <a:solidFill>
+                <a:srgbClr val="666666"/>
+              </a:solidFill>
+              <a:effectLst/>
+              <a:uFillTx/>
+              <a:latin typeface="DejaVu Sans"/>
+            </a:endParaRPr>
+          </a:p>
+        </p:txBody>
+      </p:sp>
+      <p:sp>
+        <p:nvSpPr>
+          <p:cNvPr id="69" name=""/>
+          <p:cNvSpPr txBox="1"/>
           <p:nvPr/>
-        </p:nvPicPr>
-        <p:blipFill>
-          <a:blip r:embed="rId1"/>
-          <a:stretch/>
-        </p:blipFill>
+        </p:nvSpPr>
         <p:spPr>
           <a:xfrm>
-            <a:off x="0" y="767520"/>
-            <a:ext cx="3420000" cy="2456640"/>
+            <a:off x="1080000" y="360"/>
+            <a:ext cx="7740000" cy="945720"/>
           </a:xfrm>
           <a:prstGeom prst="rect">
             <a:avLst/>
           </a:prstGeom>
           <a:noFill/>
-          <a:ln w="18000">
+          <a:ln w="0">
             <a:noFill/>
           </a:ln>
         </p:spPr>
-      </p:pic>
-      <p:pic>
-        <p:nvPicPr>
-          <p:cNvPr id="79" name="" descr=""/>
-          <p:cNvPicPr/>
-          <p:nvPr/>
-        </p:nvPicPr>
-        <p:blipFill>
-          <a:blip r:embed="rId2"/>
-          <a:stretch/>
-        </p:blipFill>
-        <p:spPr>
-          <a:xfrm>
-            <a:off x="0" y="3190320"/>
-            <a:ext cx="3420000" cy="2463840"/>
-          </a:xfrm>
-          <a:prstGeom prst="rect">
-            <a:avLst/>
-          </a:prstGeom>
-          <a:noFill/>
-          <a:ln w="18000">
-            <a:noFill/>
-          </a:ln>
-        </p:spPr>
-      </p:pic>
-      <p:pic>
-        <p:nvPicPr>
-          <p:cNvPr id="80" name="" descr=""/>
-          <p:cNvPicPr/>
-          <p:nvPr/>
-        </p:nvPicPr>
-        <p:blipFill>
-          <a:blip r:embed="rId3"/>
-          <a:stretch/>
-        </p:blipFill>
-        <p:spPr>
-          <a:xfrm>
-            <a:off x="3156840" y="2160000"/>
-            <a:ext cx="3780000" cy="2723040"/>
-          </a:xfrm>
-          <a:prstGeom prst="rect">
-            <a:avLst/>
-          </a:prstGeom>
-          <a:noFill/>
-          <a:ln w="18000">
-            <a:noFill/>
-          </a:ln>
-        </p:spPr>
-      </p:pic>
-      <p:pic>
-        <p:nvPicPr>
-          <p:cNvPr id="81" name="" descr=""/>
-          <p:cNvPicPr/>
-          <p:nvPr/>
-        </p:nvPicPr>
-        <p:blipFill>
-          <a:blip r:embed="rId4"/>
-          <a:stretch/>
-        </p:blipFill>
-        <p:spPr>
-          <a:xfrm>
-            <a:off x="6660000" y="767520"/>
-            <a:ext cx="3420000" cy="2463840"/>
-          </a:xfrm>
-          <a:prstGeom prst="rect">
-            <a:avLst/>
-          </a:prstGeom>
-          <a:noFill/>
-          <a:ln w="18000">
-            <a:noFill/>
-          </a:ln>
-        </p:spPr>
-      </p:pic>
-      <p:pic>
-        <p:nvPicPr>
-          <p:cNvPr id="82" name="" descr=""/>
-          <p:cNvPicPr/>
-          <p:nvPr/>
-        </p:nvPicPr>
-        <p:blipFill>
-          <a:blip r:embed="rId5"/>
-          <a:stretch/>
-        </p:blipFill>
-        <p:spPr>
-          <a:xfrm>
-            <a:off x="6660000" y="3195360"/>
-            <a:ext cx="3420000" cy="2460240"/>
-          </a:xfrm>
-          <a:prstGeom prst="rect">
-            <a:avLst/>
-          </a:prstGeom>
-          <a:noFill/>
-          <a:ln w="18000">
-            <a:noFill/>
-          </a:ln>
-        </p:spPr>
-      </p:pic>
+        <p:txBody>
+          <a:bodyPr lIns="0" rIns="0" tIns="0" bIns="0" anchor="ctr" anchorCtr="1">
+            <a:spAutoFit/>
+          </a:bodyPr>
+          <a:p>
+            <a:pPr algn="ctr">
+              <a:spcBef>
+                <a:spcPts val="1191"/>
+              </a:spcBef>
+              <a:spcAft>
+                <a:spcPts val="992"/>
+              </a:spcAft>
+            </a:pPr>
+            <a:r>
+              <a:rPr b="1" lang="es-ES" sz="3200" strike="noStrike" u="none">
+                <a:solidFill>
+                  <a:srgbClr val="5b277d"/>
+                </a:solidFill>
+                <a:effectLst/>
+                <a:uFillTx/>
+                <a:latin typeface="DejaVu Sans"/>
+              </a:rPr>
+              <a:t>PREDICCIÓN GENERACIÓN SOLAR</a:t>
+            </a:r>
+            <a:br>
+              <a:rPr sz="3200"/>
+            </a:br>
+            <a:r>
+              <a:rPr b="1" lang="es-ES" sz="3200" strike="noStrike" u="none">
+                <a:solidFill>
+                  <a:srgbClr val="5b277d"/>
+                </a:solidFill>
+                <a:effectLst/>
+                <a:uFillTx/>
+                <a:latin typeface="DejaVu Sans"/>
+              </a:rPr>
+              <a:t>- RESULTADOS Y MÉTRICAS -</a:t>
+            </a:r>
+            <a:endParaRPr b="0" lang="es-ES" sz="3200" strike="noStrike" u="none">
+              <a:solidFill>
+                <a:srgbClr val="333333"/>
+              </a:solidFill>
+              <a:effectLst/>
+              <a:uFillTx/>
+              <a:latin typeface="DejaVu Sans"/>
+            </a:endParaRPr>
+          </a:p>
+        </p:txBody>
+      </p:sp>
       <p:sp>
         <p:nvSpPr>
           <p:cNvPr id="3" name="PlaceHolder 2"/>
@@ -6982,7 +6472,7 @@
         <p:txBody>
           <a:bodyPr/>
           <a:p>
-            <a:fld id="{F4487D37-FD07-4664-8FCB-D52B823DE067}" type="slidenum">
+            <a:fld id="{EAF23C11-C514-42E4-BA39-36BFCB14B319}" type="slidenum">
               <a:t>6</a:t>
             </a:fld>
           </a:p>
@@ -7018,140 +6508,20 @@
           <a:chExt cx="0" cy="0"/>
         </a:xfrm>
       </p:grpSpPr>
-      <p:pic>
-        <p:nvPicPr>
-          <p:cNvPr id="83" name="" descr=""/>
-          <p:cNvPicPr/>
-          <p:nvPr/>
-        </p:nvPicPr>
-        <p:blipFill>
-          <a:blip r:embed="rId1"/>
-          <a:stretch/>
-        </p:blipFill>
-        <p:spPr>
-          <a:xfrm>
-            <a:off x="0" y="639000"/>
-            <a:ext cx="3499200" cy="2513160"/>
-          </a:xfrm>
-          <a:prstGeom prst="rect">
-            <a:avLst/>
-          </a:prstGeom>
-          <a:noFill/>
-          <a:ln w="18000">
-            <a:noFill/>
-          </a:ln>
-        </p:spPr>
-      </p:pic>
-      <p:pic>
-        <p:nvPicPr>
-          <p:cNvPr id="84" name="" descr=""/>
-          <p:cNvPicPr/>
-          <p:nvPr/>
-        </p:nvPicPr>
-        <p:blipFill>
-          <a:blip r:embed="rId2"/>
-          <a:stretch/>
-        </p:blipFill>
-        <p:spPr>
-          <a:xfrm>
-            <a:off x="0" y="3165480"/>
-            <a:ext cx="3420000" cy="2463840"/>
-          </a:xfrm>
-          <a:prstGeom prst="rect">
-            <a:avLst/>
-          </a:prstGeom>
-          <a:noFill/>
-          <a:ln w="18000">
-            <a:noFill/>
-          </a:ln>
-        </p:spPr>
-      </p:pic>
-      <p:pic>
-        <p:nvPicPr>
-          <p:cNvPr id="85" name="" descr=""/>
-          <p:cNvPicPr/>
-          <p:nvPr/>
-        </p:nvPicPr>
-        <p:blipFill>
-          <a:blip r:embed="rId3"/>
-          <a:stretch/>
-        </p:blipFill>
-        <p:spPr>
-          <a:xfrm>
-            <a:off x="3240000" y="2180520"/>
-            <a:ext cx="3780000" cy="2751480"/>
-          </a:xfrm>
-          <a:prstGeom prst="rect">
-            <a:avLst/>
-          </a:prstGeom>
-          <a:noFill/>
-          <a:ln w="18000">
-            <a:noFill/>
-          </a:ln>
-        </p:spPr>
-      </p:pic>
-      <p:pic>
-        <p:nvPicPr>
-          <p:cNvPr id="86" name="" descr=""/>
-          <p:cNvPicPr/>
-          <p:nvPr/>
-        </p:nvPicPr>
-        <p:blipFill>
-          <a:blip r:embed="rId4"/>
-          <a:stretch/>
-        </p:blipFill>
-        <p:spPr>
-          <a:xfrm>
-            <a:off x="6581880" y="684000"/>
-            <a:ext cx="3498120" cy="2520000"/>
-          </a:xfrm>
-          <a:prstGeom prst="rect">
-            <a:avLst/>
-          </a:prstGeom>
-          <a:noFill/>
-          <a:ln w="18000">
-            <a:noFill/>
-          </a:ln>
-        </p:spPr>
-      </p:pic>
-      <p:pic>
-        <p:nvPicPr>
-          <p:cNvPr id="87" name="" descr=""/>
-          <p:cNvPicPr/>
-          <p:nvPr/>
-        </p:nvPicPr>
-        <p:blipFill>
-          <a:blip r:embed="rId5"/>
-          <a:stretch/>
-        </p:blipFill>
-        <p:spPr>
-          <a:xfrm>
-            <a:off x="6602040" y="3168000"/>
-            <a:ext cx="3477960" cy="2502000"/>
-          </a:xfrm>
-          <a:prstGeom prst="rect">
-            <a:avLst/>
-          </a:prstGeom>
-          <a:noFill/>
-          <a:ln w="18000">
-            <a:noFill/>
-          </a:ln>
-        </p:spPr>
-      </p:pic>
-      <p:sp>
-        <p:nvSpPr>
-          <p:cNvPr id="88" name="PlaceHolder 1"/>
+      <p:sp>
+        <p:nvSpPr>
+          <p:cNvPr id="70" name="PlaceHolder 1"/>
           <p:cNvSpPr>
             <a:spLocks noGrp="1"/>
           </p:cNvSpPr>
           <p:nvPr>
-            <p:ph type="title"/>
+            <p:ph/>
           </p:nvPr>
         </p:nvSpPr>
         <p:spPr>
           <a:xfrm>
-            <a:off x="776160" y="57240"/>
-            <a:ext cx="8640000" cy="1893240"/>
+            <a:off x="900000" y="900000"/>
+            <a:ext cx="8460000" cy="4500000"/>
           </a:xfrm>
           <a:prstGeom prst="rect">
             <a:avLst/>
@@ -7162,15 +6532,335 @@
           </a:ln>
         </p:spPr>
         <p:txBody>
-          <a:bodyPr lIns="0" rIns="0" tIns="0" bIns="0" anchor="ctr">
+          <a:bodyPr lIns="0" rIns="0" tIns="0" bIns="0" anchor="t">
+            <a:normAutofit/>
+          </a:bodyPr>
+          <a:p>
+            <a:pPr indent="0" algn="ctr">
+              <a:spcBef>
+                <a:spcPts val="1191"/>
+              </a:spcBef>
+              <a:spcAft>
+                <a:spcPts val="992"/>
+              </a:spcAft>
+              <a:buNone/>
+            </a:pPr>
+            <a:endParaRPr b="0" lang="es-ES" sz="2000" strike="noStrike" u="none">
+              <a:solidFill>
+                <a:srgbClr val="666666"/>
+              </a:solidFill>
+              <a:effectLst/>
+              <a:uFillTx/>
+              <a:latin typeface="DejaVu Sans"/>
+            </a:endParaRPr>
+          </a:p>
+          <a:p>
+            <a:pPr marL="432000" indent="-324000">
+              <a:spcBef>
+                <a:spcPts val="1191"/>
+              </a:spcBef>
+              <a:spcAft>
+                <a:spcPts val="992"/>
+              </a:spcAft>
+              <a:buClr>
+                <a:srgbClr val="666666"/>
+              </a:buClr>
+              <a:buSzPct val="45000"/>
+              <a:buFont typeface="Wingdings" charset="2"/>
+              <a:buChar char=""/>
+            </a:pPr>
+            <a:r>
+              <a:rPr b="1" lang="es-ES" sz="2000" strike="noStrike" u="none">
+                <a:solidFill>
+                  <a:srgbClr val="666666"/>
+                </a:solidFill>
+                <a:effectLst/>
+                <a:uFillTx/>
+                <a:latin typeface="DejaVu Sans"/>
+              </a:rPr>
+              <a:t>Otros modelos probados:</a:t>
+            </a:r>
+            <a:endParaRPr b="0" lang="es-ES" sz="2000" strike="noStrike" u="none">
+              <a:solidFill>
+                <a:srgbClr val="666666"/>
+              </a:solidFill>
+              <a:effectLst/>
+              <a:uFillTx/>
+              <a:latin typeface="DejaVu Sans"/>
+            </a:endParaRPr>
+          </a:p>
+          <a:p>
+            <a:pPr lvl="1" marL="864000" indent="-324000">
+              <a:spcAft>
+                <a:spcPts val="850"/>
+              </a:spcAft>
+              <a:buClr>
+                <a:srgbClr val="666666"/>
+              </a:buClr>
+              <a:buSzPct val="75000"/>
+              <a:buFont typeface="Symbol" charset="2"/>
+              <a:buChar char=""/>
+            </a:pPr>
+            <a:r>
+              <a:rPr b="1" lang="es-ES" sz="2000" strike="noStrike" u="none">
+                <a:solidFill>
+                  <a:srgbClr val="666666"/>
+                </a:solidFill>
+                <a:effectLst/>
+                <a:uFillTx/>
+                <a:latin typeface="DejaVu Sans"/>
+              </a:rPr>
+              <a:t>PCA: ¿métricas con Linear Regression?</a:t>
+            </a:r>
+            <a:r>
+              <a:rPr b="1" lang="es-ES" sz="2000" strike="noStrike" u="none">
+                <a:solidFill>
+                  <a:srgbClr val="666666"/>
+                </a:solidFill>
+                <a:effectLst/>
+                <a:uFillTx/>
+                <a:latin typeface="DejaVu Sans"/>
+                <a:ea typeface="DejaVu Sans"/>
+              </a:rPr>
+              <a:t>😕</a:t>
+            </a:r>
+            <a:endParaRPr b="0" lang="es-ES" sz="2000" strike="noStrike" u="none">
+              <a:solidFill>
+                <a:srgbClr val="666666"/>
+              </a:solidFill>
+              <a:effectLst/>
+              <a:uFillTx/>
+              <a:latin typeface="DejaVu Sans"/>
+            </a:endParaRPr>
+          </a:p>
+          <a:p>
+            <a:pPr lvl="2" marL="1296000" indent="-288000">
+              <a:spcAft>
+                <a:spcPts val="635"/>
+              </a:spcAft>
+              <a:buClr>
+                <a:srgbClr val="666666"/>
+              </a:buClr>
+              <a:buSzPct val="45000"/>
+              <a:buFont typeface="Wingdings" charset="2"/>
+              <a:buChar char=""/>
+            </a:pPr>
+            <a:r>
+              <a:rPr b="1" lang="es-ES" sz="1600" strike="noStrike" u="none">
+                <a:solidFill>
+                  <a:srgbClr val="666666"/>
+                </a:solidFill>
+                <a:effectLst/>
+                <a:uFillTx/>
+                <a:latin typeface="DejaVu Sans"/>
+              </a:rPr>
+              <a:t>MAE: 399166.9821236511</a:t>
+            </a:r>
+            <a:endParaRPr b="0" lang="es-ES" sz="1600" strike="noStrike" u="none">
+              <a:solidFill>
+                <a:srgbClr val="666666"/>
+              </a:solidFill>
+              <a:effectLst/>
+              <a:uFillTx/>
+              <a:latin typeface="DejaVu Sans"/>
+            </a:endParaRPr>
+          </a:p>
+          <a:p>
+            <a:pPr lvl="2" marL="1296000" indent="-288000">
+              <a:spcAft>
+                <a:spcPts val="635"/>
+              </a:spcAft>
+              <a:buClr>
+                <a:srgbClr val="666666"/>
+              </a:buClr>
+              <a:buSzPct val="45000"/>
+              <a:buFont typeface="Wingdings" charset="2"/>
+              <a:buChar char=""/>
+            </a:pPr>
+            <a:r>
+              <a:rPr b="1" lang="es-ES" sz="1600" strike="noStrike" u="none">
+                <a:solidFill>
+                  <a:srgbClr val="666666"/>
+                </a:solidFill>
+                <a:effectLst/>
+                <a:uFillTx/>
+                <a:latin typeface="DejaVu Sans"/>
+              </a:rPr>
+              <a:t>MAPE: 130.23986175436448</a:t>
+            </a:r>
+            <a:endParaRPr b="0" lang="es-ES" sz="1600" strike="noStrike" u="none">
+              <a:solidFill>
+                <a:srgbClr val="666666"/>
+              </a:solidFill>
+              <a:effectLst/>
+              <a:uFillTx/>
+              <a:latin typeface="DejaVu Sans"/>
+            </a:endParaRPr>
+          </a:p>
+          <a:p>
+            <a:pPr lvl="2" marL="1296000" indent="-288000">
+              <a:spcAft>
+                <a:spcPts val="635"/>
+              </a:spcAft>
+              <a:buClr>
+                <a:srgbClr val="666666"/>
+              </a:buClr>
+              <a:buSzPct val="45000"/>
+              <a:buFont typeface="Wingdings" charset="2"/>
+              <a:buChar char=""/>
+            </a:pPr>
+            <a:r>
+              <a:rPr b="1" lang="es-ES" sz="1600" strike="noStrike" u="none">
+                <a:solidFill>
+                  <a:srgbClr val="666666"/>
+                </a:solidFill>
+                <a:effectLst/>
+                <a:uFillTx/>
+                <a:latin typeface="DejaVu Sans"/>
+              </a:rPr>
+              <a:t>MSE: 226797592357.2026</a:t>
+            </a:r>
+            <a:endParaRPr b="0" lang="es-ES" sz="1600" strike="noStrike" u="none">
+              <a:solidFill>
+                <a:srgbClr val="666666"/>
+              </a:solidFill>
+              <a:effectLst/>
+              <a:uFillTx/>
+              <a:latin typeface="DejaVu Sans"/>
+            </a:endParaRPr>
+          </a:p>
+          <a:p>
+            <a:pPr lvl="2" marL="1296000" indent="-288000">
+              <a:spcAft>
+                <a:spcPts val="635"/>
+              </a:spcAft>
+              <a:buClr>
+                <a:srgbClr val="666666"/>
+              </a:buClr>
+              <a:buSzPct val="45000"/>
+              <a:buFont typeface="Wingdings" charset="2"/>
+              <a:buChar char=""/>
+            </a:pPr>
+            <a:r>
+              <a:rPr b="1" lang="es-ES" sz="1600" strike="noStrike" u="none">
+                <a:solidFill>
+                  <a:srgbClr val="666666"/>
+                </a:solidFill>
+                <a:effectLst/>
+                <a:uFillTx/>
+                <a:latin typeface="DejaVu Sans"/>
+              </a:rPr>
+              <a:t>RMSE: 476232.7081975813</a:t>
+            </a:r>
+            <a:endParaRPr b="0" lang="es-ES" sz="1600" strike="noStrike" u="none">
+              <a:solidFill>
+                <a:srgbClr val="666666"/>
+              </a:solidFill>
+              <a:effectLst/>
+              <a:uFillTx/>
+              <a:latin typeface="DejaVu Sans"/>
+            </a:endParaRPr>
+          </a:p>
+          <a:p>
+            <a:pPr lvl="2" marL="1296000" indent="-288000">
+              <a:spcAft>
+                <a:spcPts val="635"/>
+              </a:spcAft>
+              <a:buClr>
+                <a:srgbClr val="666666"/>
+              </a:buClr>
+              <a:buSzPct val="45000"/>
+              <a:buFont typeface="Wingdings" charset="2"/>
+              <a:buChar char=""/>
+            </a:pPr>
+            <a:r>
+              <a:rPr b="1" lang="es-ES" sz="1600" strike="noStrike" u="none">
+                <a:solidFill>
+                  <a:srgbClr val="666666"/>
+                </a:solidFill>
+                <a:effectLst/>
+                <a:uFillTx/>
+                <a:latin typeface="DejaVu Sans"/>
+              </a:rPr>
+              <a:t>r2_score: -0.14006487739975548</a:t>
+            </a:r>
+            <a:endParaRPr b="0" lang="es-ES" sz="1600" strike="noStrike" u="none">
+              <a:solidFill>
+                <a:srgbClr val="666666"/>
+              </a:solidFill>
+              <a:effectLst/>
+              <a:uFillTx/>
+              <a:latin typeface="DejaVu Sans"/>
+            </a:endParaRPr>
+          </a:p>
+          <a:p>
+            <a:pPr lvl="1" marL="864000" indent="-324000">
+              <a:spcAft>
+                <a:spcPts val="850"/>
+              </a:spcAft>
+              <a:buClr>
+                <a:srgbClr val="666666"/>
+              </a:buClr>
+              <a:buSzPct val="75000"/>
+              <a:buFont typeface="Symbol" charset="2"/>
+              <a:buChar char=""/>
+            </a:pPr>
+            <a:r>
+              <a:rPr b="1" lang="es-ES" sz="2000" strike="noStrike" u="none">
+                <a:solidFill>
+                  <a:srgbClr val="666666"/>
+                </a:solidFill>
+                <a:effectLst/>
+                <a:uFillTx/>
+                <a:latin typeface="DejaVu Sans"/>
+              </a:rPr>
+              <a:t>SVC</a:t>
+            </a:r>
+            <a:endParaRPr b="0" lang="es-ES" sz="2000" strike="noStrike" u="none">
+              <a:solidFill>
+                <a:srgbClr val="666666"/>
+              </a:solidFill>
+              <a:effectLst/>
+              <a:uFillTx/>
+              <a:latin typeface="DejaVu Sans"/>
+            </a:endParaRPr>
+          </a:p>
+        </p:txBody>
+      </p:sp>
+      <p:sp>
+        <p:nvSpPr>
+          <p:cNvPr id="71" name=""/>
+          <p:cNvSpPr txBox="1"/>
+          <p:nvPr/>
+        </p:nvSpPr>
+        <p:spPr>
+          <a:xfrm>
+            <a:off x="1080000" y="360"/>
+            <a:ext cx="7740000" cy="945720"/>
+          </a:xfrm>
+          <a:prstGeom prst="rect">
+            <a:avLst/>
+          </a:prstGeom>
+          <a:noFill/>
+          <a:ln w="0">
+            <a:noFill/>
+          </a:ln>
+        </p:spPr>
+        <p:txBody>
+          <a:bodyPr lIns="0" rIns="0" tIns="0" bIns="0" anchor="ctr" anchorCtr="1">
             <a:spAutoFit/>
           </a:bodyPr>
           <a:p>
-            <a:pPr indent="0" algn="ctr">
-              <a:buNone/>
-            </a:pPr>
-            <a:r>
-              <a:rPr b="1" lang="es-ES" sz="4000" strike="noStrike" u="none">
+            <a:pPr algn="ctr">
+              <a:spcBef>
+                <a:spcPts val="1191"/>
+              </a:spcBef>
+              <a:spcAft>
+                <a:spcPts val="992"/>
+              </a:spcAft>
+            </a:pPr>
+            <a:r>
+              <a:rPr b="1" lang="es-ES" sz="3200" strike="noStrike" u="none">
                 <a:solidFill>
                   <a:srgbClr val="5b277d"/>
                 </a:solidFill>
@@ -7178,13 +6868,13 @@
                 <a:uFillTx/>
                 <a:latin typeface="DejaVu Sans"/>
               </a:rPr>
-              <a:t>¿Se han reducido los ICA en las ZBE?</a:t>
+              <a:t>PREDICCIÓN GENERACIÓN SOLAR</a:t>
             </a:r>
             <a:br>
-              <a:rPr sz="4000"/>
+              <a:rPr sz="3200"/>
             </a:br>
             <a:r>
-              <a:rPr b="0" lang="es-ES" sz="2400" strike="noStrike" u="none">
+              <a:rPr b="1" lang="es-ES" sz="3200" strike="noStrike" u="none">
                 <a:solidFill>
                   <a:srgbClr val="5b277d"/>
                 </a:solidFill>
@@ -7192,23 +6882,9 @@
                 <a:uFillTx/>
                 <a:latin typeface="DejaVu Sans"/>
               </a:rPr>
-              <a:t>Est. M.ª DÍAZ DE HARO </a:t>
-            </a:r>
-            <a:br>
-              <a:rPr sz="2400"/>
-            </a:br>
-            <a:r>
-              <a:rPr b="0" lang="es-ES" sz="2400" strike="noStrike" u="none">
-                <a:solidFill>
-                  <a:srgbClr val="5b277d"/>
-                </a:solidFill>
-                <a:effectLst/>
-                <a:uFillTx/>
-                <a:latin typeface="DejaVu Sans"/>
-              </a:rPr>
-              <a:t>(BILBAO)</a:t>
-            </a:r>
-            <a:endParaRPr b="0" lang="es-ES" sz="2400" strike="noStrike" u="none">
+              <a:t>- RESULTADOS Y MÉTRICAS -</a:t>
+            </a:r>
+            <a:endParaRPr b="0" lang="es-ES" sz="3200" strike="noStrike" u="none">
               <a:solidFill>
                 <a:srgbClr val="333333"/>
               </a:solidFill>
@@ -7233,7 +6909,7 @@
         <p:txBody>
           <a:bodyPr/>
           <a:p>
-            <a:fld id="{5430575A-10DA-4114-A1B2-5CCA37C90860}" type="slidenum">
+            <a:fld id="{3DD71BEE-77F6-4CB4-8E69-B5985ACA3298}" type="slidenum">
               <a:t>7</a:t>
             </a:fld>
           </a:p>
@@ -7269,129 +6945,9 @@
           <a:chExt cx="0" cy="0"/>
         </a:xfrm>
       </p:grpSpPr>
-      <p:pic>
-        <p:nvPicPr>
-          <p:cNvPr id="89" name="" descr=""/>
-          <p:cNvPicPr/>
-          <p:nvPr/>
-        </p:nvPicPr>
-        <p:blipFill>
-          <a:blip r:embed="rId1"/>
-          <a:stretch/>
-        </p:blipFill>
-        <p:spPr>
-          <a:xfrm>
-            <a:off x="0" y="720000"/>
-            <a:ext cx="3665520" cy="2520000"/>
-          </a:xfrm>
-          <a:prstGeom prst="rect">
-            <a:avLst/>
-          </a:prstGeom>
-          <a:noFill/>
-          <a:ln w="18000">
-            <a:noFill/>
-          </a:ln>
-        </p:spPr>
-      </p:pic>
-      <p:pic>
-        <p:nvPicPr>
-          <p:cNvPr id="90" name="" descr=""/>
-          <p:cNvPicPr/>
-          <p:nvPr/>
-        </p:nvPicPr>
-        <p:blipFill>
-          <a:blip r:embed="rId2"/>
-          <a:stretch/>
-        </p:blipFill>
-        <p:spPr>
-          <a:xfrm>
-            <a:off x="0" y="3060000"/>
-            <a:ext cx="3796560" cy="2610000"/>
-          </a:xfrm>
-          <a:prstGeom prst="rect">
-            <a:avLst/>
-          </a:prstGeom>
-          <a:noFill/>
-          <a:ln w="18000">
-            <a:noFill/>
-          </a:ln>
-        </p:spPr>
-      </p:pic>
-      <p:pic>
-        <p:nvPicPr>
-          <p:cNvPr id="91" name="" descr=""/>
-          <p:cNvPicPr/>
-          <p:nvPr/>
-        </p:nvPicPr>
-        <p:blipFill>
-          <a:blip r:embed="rId3"/>
-          <a:stretch/>
-        </p:blipFill>
-        <p:spPr>
-          <a:xfrm>
-            <a:off x="3049920" y="1759320"/>
-            <a:ext cx="4510080" cy="3100680"/>
-          </a:xfrm>
-          <a:prstGeom prst="rect">
-            <a:avLst/>
-          </a:prstGeom>
-          <a:noFill/>
-          <a:ln w="18000">
-            <a:noFill/>
-          </a:ln>
-        </p:spPr>
-      </p:pic>
-      <p:pic>
-        <p:nvPicPr>
-          <p:cNvPr id="92" name="" descr=""/>
-          <p:cNvPicPr/>
-          <p:nvPr/>
-        </p:nvPicPr>
-        <p:blipFill>
-          <a:blip r:embed="rId4"/>
-          <a:stretch/>
-        </p:blipFill>
-        <p:spPr>
-          <a:xfrm>
-            <a:off x="6480000" y="3217680"/>
-            <a:ext cx="3567240" cy="2452320"/>
-          </a:xfrm>
-          <a:prstGeom prst="rect">
-            <a:avLst/>
-          </a:prstGeom>
-          <a:noFill/>
-          <a:ln w="18000">
-            <a:noFill/>
-          </a:ln>
-        </p:spPr>
-      </p:pic>
-      <p:pic>
-        <p:nvPicPr>
-          <p:cNvPr id="93" name="" descr=""/>
-          <p:cNvPicPr/>
-          <p:nvPr/>
-        </p:nvPicPr>
-        <p:blipFill>
-          <a:blip r:embed="rId5"/>
-          <a:stretch/>
-        </p:blipFill>
-        <p:spPr>
-          <a:xfrm>
-            <a:off x="6479640" y="720000"/>
-            <a:ext cx="3633120" cy="2497680"/>
-          </a:xfrm>
-          <a:prstGeom prst="rect">
-            <a:avLst/>
-          </a:prstGeom>
-          <a:noFill/>
-          <a:ln w="18000">
-            <a:noFill/>
-          </a:ln>
-        </p:spPr>
-      </p:pic>
-      <p:sp>
-        <p:nvSpPr>
-          <p:cNvPr id="94" name="PlaceHolder 1"/>
+      <p:sp>
+        <p:nvSpPr>
+          <p:cNvPr id="72" name="PlaceHolder 1"/>
           <p:cNvSpPr>
             <a:spLocks noGrp="1"/>
           </p:cNvSpPr>
@@ -7401,8 +6957,8 @@
         </p:nvSpPr>
         <p:spPr>
           <a:xfrm>
-            <a:off x="0" y="41040"/>
-            <a:ext cx="10080000" cy="1538280"/>
+            <a:off x="720000" y="337320"/>
+            <a:ext cx="8640000" cy="945720"/>
           </a:xfrm>
           <a:prstGeom prst="rect">
             <a:avLst/>
@@ -7418,10 +6974,16 @@
           </a:bodyPr>
           <a:p>
             <a:pPr indent="0" algn="ctr">
+              <a:spcBef>
+                <a:spcPts val="1191"/>
+              </a:spcBef>
+              <a:spcAft>
+                <a:spcPts val="992"/>
+              </a:spcAft>
               <a:buNone/>
             </a:pPr>
             <a:r>
-              <a:rPr b="1" lang="es-ES" sz="4000" strike="noStrike" u="none">
+              <a:rPr b="1" lang="es-ES" sz="3200" strike="noStrike" u="none">
                 <a:solidFill>
                   <a:srgbClr val="5b277d"/>
                 </a:solidFill>
@@ -7429,13 +6991,13 @@
                 <a:uFillTx/>
                 <a:latin typeface="DejaVu Sans"/>
               </a:rPr>
-              <a:t>¿Se han reducido los ICA en las ZBE? </a:t>
+              <a:t>CONCLUSIONES</a:t>
             </a:r>
             <a:br>
-              <a:rPr sz="4000"/>
+              <a:rPr sz="3200"/>
             </a:br>
             <a:r>
-              <a:rPr b="0" lang="es-ES" sz="2400" strike="noStrike" u="none">
+              <a:rPr b="1" lang="es-ES" sz="3200" strike="noStrike" u="none">
                 <a:solidFill>
                   <a:srgbClr val="5b277d"/>
                 </a:solidFill>
@@ -7443,9 +7005,9 @@
                 <a:uFillTx/>
                 <a:latin typeface="DejaVu Sans"/>
               </a:rPr>
-              <a:t>Est. EASO (DONOSTIA)</a:t>
-            </a:r>
-            <a:endParaRPr b="0" lang="es-ES" sz="2400" strike="noStrike" u="none">
+              <a:t>- LIMITACIONES Y MEJORAS -</a:t>
+            </a:r>
+            <a:endParaRPr b="0" lang="es-ES" sz="3200" strike="noStrike" u="none">
               <a:solidFill>
                 <a:srgbClr val="333333"/>
               </a:solidFill>
@@ -7458,188 +7020,18 @@
       </p:sp>
       <p:sp>
         <p:nvSpPr>
-          <p:cNvPr id="3" name="PlaceHolder 2"/>
+          <p:cNvPr id="73" name="PlaceHolder 2"/>
           <p:cNvSpPr>
             <a:spLocks noGrp="1"/>
           </p:cNvSpPr>
           <p:nvPr>
-            <p:ph type="sldNum" idx="12"/>
+            <p:ph/>
           </p:nvPr>
         </p:nvSpPr>
-        <p:spPr/>
-        <p:txBody>
-          <a:bodyPr/>
-          <a:p>
-            <a:fld id="{D9191D69-7F18-4B28-B53F-12AE96D8D747}" type="slidenum">
-              <a:t>8</a:t>
-            </a:fld>
-          </a:p>
-        </p:txBody>
-      </p:sp>
-    </p:spTree>
-  </p:cSld>
-  <mc:AlternateContent>
-    <mc:Choice Requires="p14">
-      <p:transition spd="slow" p14:dur="2000"/>
-    </mc:Choice>
-    <mc:Fallback>
-      <p:transition spd="slow"/>
-    </mc:Fallback>
-  </mc:AlternateContent>
-</p:sld>
-</file>
-
-<file path=ppt/slides/slide9.xml><?xml version="1.0" encoding="utf-8"?>
-<p:sld xmlns:a="http://schemas.openxmlformats.org/drawingml/2006/main" xmlns:p="http://schemas.openxmlformats.org/presentationml/2006/main" xmlns:r="http://schemas.openxmlformats.org/officeDocument/2006/relationships" xmlns:p14="http://schemas.microsoft.com/office/powerpoint/2010/main" xmlns:p15="http://schemas.microsoft.com/office/powerpoint/2012/main" xmlns:mc="http://schemas.openxmlformats.org/markup-compatibility/2006">
-  <p:cSld>
-    <p:spTree>
-      <p:nvGrpSpPr>
-        <p:cNvPr id="1" name=""/>
-        <p:cNvGrpSpPr/>
-        <p:nvPr/>
-      </p:nvGrpSpPr>
-      <p:grpSpPr>
-        <a:xfrm>
-          <a:off x="0" y="0"/>
-          <a:ext cx="0" cy="0"/>
-          <a:chOff x="0" y="0"/>
-          <a:chExt cx="0" cy="0"/>
-        </a:xfrm>
-      </p:grpSpPr>
-      <p:pic>
-        <p:nvPicPr>
-          <p:cNvPr id="95" name="" descr=""/>
-          <p:cNvPicPr/>
-          <p:nvPr/>
-        </p:nvPicPr>
-        <p:blipFill>
-          <a:blip r:embed="rId1"/>
-          <a:stretch/>
-        </p:blipFill>
         <p:spPr>
           <a:xfrm>
-            <a:off x="0" y="573840"/>
-            <a:ext cx="3600000" cy="2593440"/>
-          </a:xfrm>
-          <a:prstGeom prst="rect">
-            <a:avLst/>
-          </a:prstGeom>
-          <a:noFill/>
-          <a:ln w="18000">
-            <a:noFill/>
-          </a:ln>
-        </p:spPr>
-      </p:pic>
-      <p:pic>
-        <p:nvPicPr>
-          <p:cNvPr id="96" name="" descr=""/>
-          <p:cNvPicPr/>
-          <p:nvPr/>
-        </p:nvPicPr>
-        <p:blipFill>
-          <a:blip r:embed="rId2"/>
-          <a:stretch/>
-        </p:blipFill>
-        <p:spPr>
-          <a:xfrm>
-            <a:off x="0" y="3092040"/>
-            <a:ext cx="3600000" cy="2577960"/>
-          </a:xfrm>
-          <a:prstGeom prst="rect">
-            <a:avLst/>
-          </a:prstGeom>
-          <a:noFill/>
-          <a:ln w="18000">
-            <a:noFill/>
-          </a:ln>
-        </p:spPr>
-      </p:pic>
-      <p:pic>
-        <p:nvPicPr>
-          <p:cNvPr id="97" name="" descr=""/>
-          <p:cNvPicPr/>
-          <p:nvPr/>
-        </p:nvPicPr>
-        <p:blipFill>
-          <a:blip r:embed="rId3"/>
-          <a:stretch/>
-        </p:blipFill>
-        <p:spPr>
-          <a:xfrm>
-            <a:off x="6660000" y="720000"/>
-            <a:ext cx="3420000" cy="2463840"/>
-          </a:xfrm>
-          <a:prstGeom prst="rect">
-            <a:avLst/>
-          </a:prstGeom>
-          <a:noFill/>
-          <a:ln w="18000">
-            <a:noFill/>
-          </a:ln>
-        </p:spPr>
-      </p:pic>
-      <p:pic>
-        <p:nvPicPr>
-          <p:cNvPr id="98" name="" descr=""/>
-          <p:cNvPicPr/>
-          <p:nvPr/>
-        </p:nvPicPr>
-        <p:blipFill>
-          <a:blip r:embed="rId4"/>
-          <a:stretch/>
-        </p:blipFill>
-        <p:spPr>
-          <a:xfrm>
-            <a:off x="3420000" y="1830600"/>
-            <a:ext cx="3420000" cy="2489400"/>
-          </a:xfrm>
-          <a:prstGeom prst="rect">
-            <a:avLst/>
-          </a:prstGeom>
-          <a:noFill/>
-          <a:ln w="18000">
-            <a:noFill/>
-          </a:ln>
-        </p:spPr>
-      </p:pic>
-      <p:pic>
-        <p:nvPicPr>
-          <p:cNvPr id="99" name="" descr=""/>
-          <p:cNvPicPr/>
-          <p:nvPr/>
-        </p:nvPicPr>
-        <p:blipFill>
-          <a:blip r:embed="rId5"/>
-          <a:stretch/>
-        </p:blipFill>
-        <p:spPr>
-          <a:xfrm>
-            <a:off x="6660000" y="3209760"/>
-            <a:ext cx="3420000" cy="2460240"/>
-          </a:xfrm>
-          <a:prstGeom prst="rect">
-            <a:avLst/>
-          </a:prstGeom>
-          <a:noFill/>
-          <a:ln w="18000">
-            <a:noFill/>
-          </a:ln>
-        </p:spPr>
-      </p:pic>
-      <p:sp>
-        <p:nvSpPr>
-          <p:cNvPr id="100" name="PlaceHolder 1"/>
-          <p:cNvSpPr>
-            <a:spLocks noGrp="1"/>
-          </p:cNvSpPr>
-          <p:nvPr>
-            <p:ph type="title"/>
-          </p:nvPr>
-        </p:nvSpPr>
-        <p:spPr>
-          <a:xfrm>
-            <a:off x="0" y="13680"/>
-            <a:ext cx="10080000" cy="1498320"/>
+            <a:off x="720000" y="1440000"/>
+            <a:ext cx="8640000" cy="3600000"/>
           </a:xfrm>
           <a:prstGeom prst="rect">
             <a:avLst/>
@@ -7650,80 +7042,196 @@
           </a:ln>
         </p:spPr>
         <p:txBody>
-          <a:bodyPr lIns="0" rIns="0" tIns="0" bIns="0" anchor="ctr">
-            <a:spAutoFit/>
+          <a:bodyPr lIns="0" rIns="0" tIns="0" bIns="0" anchor="t">
+            <a:normAutofit/>
           </a:bodyPr>
           <a:p>
-            <a:pPr indent="0" algn="ctr">
-              <a:spcBef>
-                <a:spcPts val="1191"/>
-              </a:spcBef>
-              <a:spcAft>
-                <a:spcPts val="992"/>
+            <a:pPr indent="0">
+              <a:spcAft>
+                <a:spcPts val="1060"/>
               </a:spcAft>
               <a:buNone/>
             </a:pPr>
             <a:r>
-              <a:rPr b="1" lang="es-ES" sz="2800" strike="noStrike" u="none">
-                <a:solidFill>
-                  <a:srgbClr val="5b277d"/>
-                </a:solidFill>
-                <a:effectLst/>
-                <a:uFillTx/>
-                <a:latin typeface="DejaVu Sans"/>
-              </a:rPr>
-              <a:t>¿Hay impacto en los ICA de las zonas externas a las ZBE? (Efecto Frontera)</a:t>
-            </a:r>
-            <a:r>
-              <a:rPr b="1" lang="es-ES" sz="3200" strike="noStrike" u="none">
-                <a:solidFill>
-                  <a:srgbClr val="5b277d"/>
-                </a:solidFill>
-                <a:effectLst/>
-                <a:uFillTx/>
-                <a:latin typeface="DejaVu Sans"/>
-              </a:rPr>
-              <a:t> </a:t>
-            </a:r>
-            <a:r>
-              <a:rPr b="1" lang="es-ES" sz="4000" strike="noStrike" u="none">
-                <a:solidFill>
-                  <a:srgbClr val="5b277d"/>
-                </a:solidFill>
-                <a:effectLst/>
-                <a:uFillTx/>
-                <a:latin typeface="DejaVu Sans"/>
-              </a:rPr>
-              <a:t> </a:t>
-            </a:r>
-            <a:br>
-              <a:rPr sz="4000"/>
-            </a:br>
-            <a:r>
-              <a:rPr b="0" lang="es-ES" sz="2200" strike="noStrike" u="none">
-                <a:solidFill>
-                  <a:srgbClr val="5b277d"/>
-                </a:solidFill>
-                <a:effectLst/>
-                <a:uFillTx/>
-                <a:latin typeface="DejaVu Sans"/>
-              </a:rPr>
-              <a:t>Est. PARQUE EUROPA</a:t>
-            </a:r>
-            <a:endParaRPr b="0" lang="es-ES" sz="2200" strike="noStrike" u="none">
-              <a:solidFill>
-                <a:srgbClr val="333333"/>
-              </a:solidFill>
-              <a:effectLst/>
-              <a:uFillTx/>
-              <a:latin typeface="DejaVu Sans"/>
-            </a:endParaRPr>
-          </a:p>
-        </p:txBody>
-      </p:sp>
-      <p:sp>
-        <p:nvSpPr>
-          <p:cNvPr id="3" name="PlaceHolder 2"/>
+              <a:rPr b="1" lang="es-ES" sz="2400" strike="noStrike" u="none">
+                <a:solidFill>
+                  <a:srgbClr val="666666"/>
+                </a:solidFill>
+                <a:effectLst/>
+                <a:uFillTx/>
+                <a:latin typeface="DejaVu Sans"/>
+              </a:rPr>
+              <a:t>LIMITACIONES</a:t>
+            </a:r>
+            <a:endParaRPr b="0" lang="es-ES" sz="2400" strike="noStrike" u="none">
+              <a:solidFill>
+                <a:srgbClr val="666666"/>
+              </a:solidFill>
+              <a:effectLst/>
+              <a:uFillTx/>
+              <a:latin typeface="DejaVu Sans"/>
+            </a:endParaRPr>
+          </a:p>
+          <a:p>
+            <a:pPr marL="432000" indent="-324000">
+              <a:spcAft>
+                <a:spcPts val="1060"/>
+              </a:spcAft>
+              <a:buClr>
+                <a:srgbClr val="666666"/>
+              </a:buClr>
+              <a:buSzPct val="45000"/>
+              <a:buFont typeface="Wingdings" charset="2"/>
+              <a:buChar char=""/>
+            </a:pPr>
+            <a:r>
+              <a:rPr b="0" lang="es-ES" sz="2400" strike="noStrike" u="none">
+                <a:solidFill>
+                  <a:srgbClr val="666666"/>
+                </a:solidFill>
+                <a:effectLst/>
+                <a:uFillTx/>
+                <a:latin typeface="DejaVu Sans"/>
+              </a:rPr>
+              <a:t>API AEMET → ¿integración Python?</a:t>
+            </a:r>
+            <a:endParaRPr b="0" lang="es-ES" sz="2400" strike="noStrike" u="none">
+              <a:solidFill>
+                <a:srgbClr val="666666"/>
+              </a:solidFill>
+              <a:effectLst/>
+              <a:uFillTx/>
+              <a:latin typeface="DejaVu Sans"/>
+            </a:endParaRPr>
+          </a:p>
+          <a:p>
+            <a:pPr marL="432000" indent="-324000">
+              <a:spcAft>
+                <a:spcPts val="1060"/>
+              </a:spcAft>
+              <a:buClr>
+                <a:srgbClr val="666666"/>
+              </a:buClr>
+              <a:buSzPct val="45000"/>
+              <a:buFont typeface="Wingdings" charset="2"/>
+              <a:buChar char=""/>
+            </a:pPr>
+            <a:r>
+              <a:rPr b="0" lang="es-ES" sz="2400" strike="noStrike" u="none">
+                <a:solidFill>
+                  <a:srgbClr val="666666"/>
+                </a:solidFill>
+                <a:effectLst/>
+                <a:uFillTx/>
+                <a:latin typeface="DejaVu Sans"/>
+              </a:rPr>
+              <a:t>Tratamiento nulos</a:t>
+            </a:r>
+            <a:endParaRPr b="0" lang="es-ES" sz="2400" strike="noStrike" u="none">
+              <a:solidFill>
+                <a:srgbClr val="666666"/>
+              </a:solidFill>
+              <a:effectLst/>
+              <a:uFillTx/>
+              <a:latin typeface="DejaVu Sans"/>
+            </a:endParaRPr>
+          </a:p>
+          <a:p>
+            <a:pPr indent="0">
+              <a:spcAft>
+                <a:spcPts val="1060"/>
+              </a:spcAft>
+              <a:buNone/>
+            </a:pPr>
+            <a:r>
+              <a:rPr b="1" lang="es-ES" sz="2400" strike="noStrike" u="none">
+                <a:solidFill>
+                  <a:srgbClr val="666666"/>
+                </a:solidFill>
+                <a:effectLst/>
+                <a:uFillTx/>
+                <a:latin typeface="DejaVu Sans"/>
+              </a:rPr>
+              <a:t>MEJORAS</a:t>
+            </a:r>
+            <a:endParaRPr b="0" lang="es-ES" sz="2400" strike="noStrike" u="none">
+              <a:solidFill>
+                <a:srgbClr val="666666"/>
+              </a:solidFill>
+              <a:effectLst/>
+              <a:uFillTx/>
+              <a:latin typeface="DejaVu Sans"/>
+            </a:endParaRPr>
+          </a:p>
+          <a:p>
+            <a:pPr marL="432000" indent="-324000">
+              <a:spcAft>
+                <a:spcPts val="1060"/>
+              </a:spcAft>
+              <a:buClr>
+                <a:srgbClr val="666666"/>
+              </a:buClr>
+              <a:buSzPct val="45000"/>
+              <a:buFont typeface="Wingdings" charset="2"/>
+              <a:buChar char=""/>
+            </a:pPr>
+            <a:r>
+              <a:rPr b="0" lang="es-ES" sz="2400" strike="noStrike" u="none">
+                <a:solidFill>
+                  <a:srgbClr val="666666"/>
+                </a:solidFill>
+                <a:effectLst/>
+                <a:uFillTx/>
+                <a:latin typeface="DejaVu Sans"/>
+              </a:rPr>
+              <a:t>Otras fuentes de datos</a:t>
+            </a:r>
+            <a:endParaRPr b="0" lang="es-ES" sz="2400" strike="noStrike" u="none">
+              <a:solidFill>
+                <a:srgbClr val="666666"/>
+              </a:solidFill>
+              <a:effectLst/>
+              <a:uFillTx/>
+              <a:latin typeface="DejaVu Sans"/>
+            </a:endParaRPr>
+          </a:p>
+          <a:p>
+            <a:pPr marL="432000" indent="-324000">
+              <a:spcAft>
+                <a:spcPts val="1060"/>
+              </a:spcAft>
+              <a:buClr>
+                <a:srgbClr val="666666"/>
+              </a:buClr>
+              <a:buSzPct val="45000"/>
+              <a:buFont typeface="Wingdings" charset="2"/>
+              <a:buChar char=""/>
+            </a:pPr>
+            <a:r>
+              <a:rPr b="0" lang="es-ES" sz="2400" strike="noStrike" u="none">
+                <a:solidFill>
+                  <a:srgbClr val="666666"/>
+                </a:solidFill>
+                <a:effectLst/>
+                <a:uFillTx/>
+                <a:latin typeface="DejaVu Sans"/>
+              </a:rPr>
+              <a:t>Ensembles</a:t>
+            </a:r>
+            <a:endParaRPr b="0" lang="es-ES" sz="2400" strike="noStrike" u="none">
+              <a:solidFill>
+                <a:srgbClr val="666666"/>
+              </a:solidFill>
+              <a:effectLst/>
+              <a:uFillTx/>
+              <a:latin typeface="DejaVu Sans"/>
+            </a:endParaRPr>
+          </a:p>
+        </p:txBody>
+      </p:sp>
+      <p:sp>
+        <p:nvSpPr>
+          <p:cNvPr id="4" name="PlaceHolder 3"/>
           <p:cNvSpPr>
             <a:spLocks noGrp="1"/>
           </p:cNvSpPr>
@@ -7735,8 +7243,8 @@
         <p:txBody>
           <a:bodyPr/>
           <a:p>
-            <a:fld id="{D356C5C0-1777-4B80-8A9A-6EDB67988DB4}" type="slidenum">
-              <a:t>9</a:t>
+            <a:fld id="{3E67C683-6355-4DAE-8305-2F6B48AD2508}" type="slidenum">
+              <a:t>8</a:t>
             </a:fld>
           </a:p>
         </p:txBody>

--- a/docs/Proyecto ML - DS v1.pptx
+++ b/docs/Proyecto ML - DS v1.pptx
@@ -16,6 +16,7 @@
     <p:sldId id="261" r:id="rId11"/>
     <p:sldId id="262" r:id="rId12"/>
     <p:sldId id="263" r:id="rId13"/>
+    <p:sldId id="264" r:id="rId14"/>
   </p:sldIdLst>
   <p:sldSz cx="10080625" cy="5670550"/>
   <p:notesSz cx="7559675" cy="10691813"/>
@@ -157,7 +158,7 @@
         <p:txBody>
           <a:bodyPr/>
           <a:p>
-            <a:fld id="{D8ECA230-3F7A-463B-B658-6179283AD300}" type="slidenum">
+            <a:fld id="{BF4C9F2B-8A92-42A1-9605-FEFB9A12EDB7}" type="slidenum">
               <a:t>&lt;#&gt;</a:t>
             </a:fld>
           </a:p>
@@ -327,7 +328,7 @@
         <p:txBody>
           <a:bodyPr/>
           <a:p>
-            <a:fld id="{60CA3A57-110A-4A7C-9F23-6CAD0891B120}" type="slidenum">
+            <a:fld id="{3AFDA155-07B9-41B8-A0F3-85B75BF6086A}" type="slidenum">
               <a:t>&lt;#&gt;</a:t>
             </a:fld>
           </a:p>
@@ -497,7 +498,7 @@
         <p:txBody>
           <a:bodyPr/>
           <a:p>
-            <a:fld id="{E6FC632F-5FEA-451C-BD4F-FE87A570E1AA}" type="slidenum">
+            <a:fld id="{B147DE87-FA23-4A81-8E45-01A27FF72FBD}" type="slidenum">
               <a:t>&lt;#&gt;</a:t>
             </a:fld>
           </a:p>
@@ -667,7 +668,7 @@
         <p:txBody>
           <a:bodyPr/>
           <a:p>
-            <a:fld id="{AECAC33A-5662-44D6-986B-8285F56C3282}" type="slidenum">
+            <a:fld id="{7AC93183-E208-4037-B011-BF5B3C9ECE61}" type="slidenum">
               <a:t>&lt;#&gt;</a:t>
             </a:fld>
           </a:p>
@@ -837,7 +838,7 @@
         <p:txBody>
           <a:bodyPr/>
           <a:p>
-            <a:fld id="{9466149C-03A5-4BA8-BAC7-D4684F605C81}" type="slidenum">
+            <a:fld id="{E786E57A-46E7-44F4-897A-5F8AAE4CA636}" type="slidenum">
               <a:t>&lt;#&gt;</a:t>
             </a:fld>
           </a:p>
@@ -1293,7 +1294,7 @@
                 <a:uFillTx/>
                 <a:latin typeface="DejaVu Sans"/>
               </a:rPr>
-              <a:t> </a:t>
+              <a:t>&lt;fecha/hora&gt;</a:t>
             </a:r>
             <a:endParaRPr b="0" lang="es-ES" sz="1400" strike="noStrike" u="none">
               <a:solidFill>
@@ -1359,7 +1360,7 @@
                 <a:uFillTx/>
                 <a:latin typeface="DejaVu Sans"/>
               </a:rPr>
-              <a:t> </a:t>
+              <a:t>&lt;pie de página&gt;</a:t>
             </a:r>
             <a:endParaRPr b="0" lang="es-ES" sz="1400" strike="noStrike" u="none">
               <a:solidFill>
@@ -1416,7 +1417,7 @@
             <a:pPr indent="0" algn="r">
               <a:buNone/>
             </a:pPr>
-            <a:fld id="{9329A613-78BF-4FCF-AB7B-5F4EE4327E46}" type="slidenum">
+            <a:fld id="{F7B1305B-A673-4C9E-993C-D92603CB320B}" type="slidenum">
               <a:rPr b="0" lang="es-ES" sz="1400" strike="noStrike" u="none">
                 <a:solidFill>
                   <a:srgbClr val="dddddd"/>
@@ -1425,7 +1426,7 @@
                 <a:uFillTx/>
                 <a:latin typeface="DejaVu Sans"/>
               </a:rPr>
-              <a:t>8</a:t>
+              <a:t>&lt;número&gt;</a:t>
             </a:fld>
             <a:endParaRPr b="0" lang="es-ES" sz="1400" strike="noStrike" u="none">
               <a:solidFill>
@@ -2256,7 +2257,7 @@
             <a:pPr indent="0" algn="r">
               <a:buNone/>
             </a:pPr>
-            <a:fld id="{A618B39E-E15A-4BB0-838B-4CA82729DC84}" type="slidenum">
+            <a:fld id="{4FB5E807-5044-4590-A799-519232FA5EED}" type="slidenum">
               <a:rPr b="0" lang="es-ES" sz="1400" strike="noStrike" u="none">
                 <a:solidFill>
                   <a:srgbClr val="dddddd"/>
@@ -3443,7 +3444,7 @@
             <a:pPr indent="0" algn="r">
               <a:buNone/>
             </a:pPr>
-            <a:fld id="{3B0152F3-5F97-47E9-A8C9-2D9164FAE5F5}" type="slidenum">
+            <a:fld id="{0758AF07-1CCF-4870-91FE-2926C8B9F185}" type="slidenum">
               <a:rPr b="0" lang="es-ES" sz="1400" strike="noStrike" u="none">
                 <a:solidFill>
                   <a:srgbClr val="dddddd"/>
@@ -3895,7 +3896,7 @@
             <a:pPr indent="0" algn="r">
               <a:buNone/>
             </a:pPr>
-            <a:fld id="{638BF29E-CFD9-4175-8C78-D36FAC3D9B74}" type="slidenum">
+            <a:fld id="{13E849AF-8EE7-4171-ADF5-2FE57A0886A3}" type="slidenum">
               <a:rPr b="0" lang="es-ES" sz="1400" strike="noStrike" u="none">
                 <a:solidFill>
                   <a:srgbClr val="dddddd"/>
@@ -4685,7 +4686,7 @@
         <p:txBody>
           <a:bodyPr/>
           <a:p>
-            <a:fld id="{9BB2C7EB-A542-4CDF-B9B5-EDFB6C3F749B}" type="slidenum">
+            <a:fld id="{4382AD11-32F8-4EAA-BE47-8ADFBFFFCCBE}" type="slidenum">
               <a:t>2</a:t>
             </a:fld>
           </a:p>
@@ -5106,7 +5107,7 @@
         <p:txBody>
           <a:bodyPr/>
           <a:p>
-            <a:fld id="{5B6849CD-3C13-4A2B-8E5F-FE572C53A978}" type="slidenum">
+            <a:fld id="{C1182D83-A450-4275-90FB-FAC1E19F2E77}" type="slidenum">
               <a:t>3</a:t>
             </a:fld>
           </a:p>
@@ -5516,7 +5517,7 @@
         <p:txBody>
           <a:bodyPr/>
           <a:p>
-            <a:fld id="{98823D68-0D2C-43EF-82EA-D7CE6E8E49B9}" type="slidenum">
+            <a:fld id="{BDFCAFBA-9E90-4082-9A07-498109A64D74}" type="slidenum">
               <a:t>4</a:t>
             </a:fld>
           </a:p>
@@ -5887,7 +5888,7 @@
         <p:txBody>
           <a:bodyPr/>
           <a:p>
-            <a:fld id="{33FE839F-080D-4C8A-99D4-F6D7992294D0}" type="slidenum">
+            <a:fld id="{35B5AD53-2DF0-4439-BB82-671CD5731C43}" type="slidenum">
               <a:t>5</a:t>
             </a:fld>
           </a:p>
@@ -6472,7 +6473,7 @@
         <p:txBody>
           <a:bodyPr/>
           <a:p>
-            <a:fld id="{EAF23C11-C514-42E4-BA39-36BFCB14B319}" type="slidenum">
+            <a:fld id="{DCA388D5-BEB3-4A48-A7A8-853643070C2A}" type="slidenum">
               <a:t>6</a:t>
             </a:fld>
           </a:p>
@@ -6909,7 +6910,7 @@
         <p:txBody>
           <a:bodyPr/>
           <a:p>
-            <a:fld id="{3DD71BEE-77F6-4CB4-8E69-B5985ACA3298}" type="slidenum">
+            <a:fld id="{2AEAF7A8-6776-4F4E-8A5C-D05C5A9488AC}" type="slidenum">
               <a:t>7</a:t>
             </a:fld>
           </a:p>
@@ -6952,6 +6953,287 @@
             <a:spLocks noGrp="1"/>
           </p:cNvSpPr>
           <p:nvPr>
+            <p:ph/>
+          </p:nvPr>
+        </p:nvSpPr>
+        <p:spPr>
+          <a:xfrm>
+            <a:off x="900000" y="900000"/>
+            <a:ext cx="8460000" cy="4500000"/>
+          </a:xfrm>
+          <a:prstGeom prst="rect">
+            <a:avLst/>
+          </a:prstGeom>
+          <a:noFill/>
+          <a:ln w="0">
+            <a:noFill/>
+          </a:ln>
+        </p:spPr>
+        <p:txBody>
+          <a:bodyPr lIns="0" rIns="0" tIns="0" bIns="0" anchor="t">
+            <a:normAutofit/>
+          </a:bodyPr>
+          <a:p>
+            <a:pPr indent="0" algn="ctr">
+              <a:spcBef>
+                <a:spcPts val="1191"/>
+              </a:spcBef>
+              <a:spcAft>
+                <a:spcPts val="992"/>
+              </a:spcAft>
+              <a:buNone/>
+            </a:pPr>
+            <a:endParaRPr b="0" lang="es-ES" sz="2000" strike="noStrike" u="none">
+              <a:solidFill>
+                <a:srgbClr val="666666"/>
+              </a:solidFill>
+              <a:effectLst/>
+              <a:uFillTx/>
+              <a:latin typeface="DejaVu Sans"/>
+            </a:endParaRPr>
+          </a:p>
+          <a:p>
+            <a:pPr marL="432000" indent="-324000">
+              <a:spcBef>
+                <a:spcPts val="1191"/>
+              </a:spcBef>
+              <a:spcAft>
+                <a:spcPts val="992"/>
+              </a:spcAft>
+              <a:buClr>
+                <a:srgbClr val="666666"/>
+              </a:buClr>
+              <a:buSzPct val="45000"/>
+              <a:buFont typeface="Wingdings" charset="2"/>
+              <a:buChar char=""/>
+            </a:pPr>
+            <a:r>
+              <a:rPr b="1" lang="es-ES" sz="2000" strike="noStrike" u="none">
+                <a:solidFill>
+                  <a:srgbClr val="666666"/>
+                </a:solidFill>
+                <a:effectLst/>
+                <a:uFillTx/>
+                <a:latin typeface="DejaVu Sans"/>
+              </a:rPr>
+              <a:t>Otros modelos probados:</a:t>
+            </a:r>
+            <a:endParaRPr b="0" lang="es-ES" sz="2000" strike="noStrike" u="none">
+              <a:solidFill>
+                <a:srgbClr val="666666"/>
+              </a:solidFill>
+              <a:effectLst/>
+              <a:uFillTx/>
+              <a:latin typeface="DejaVu Sans"/>
+            </a:endParaRPr>
+          </a:p>
+          <a:p>
+            <a:pPr lvl="1" marL="864000" indent="-324000">
+              <a:spcAft>
+                <a:spcPts val="850"/>
+              </a:spcAft>
+              <a:buClr>
+                <a:srgbClr val="666666"/>
+              </a:buClr>
+              <a:buSzPct val="75000"/>
+              <a:buFont typeface="Symbol" charset="2"/>
+              <a:buChar char=""/>
+            </a:pPr>
+            <a:r>
+              <a:rPr b="1" lang="es-ES" sz="2000" strike="noStrike" u="none">
+                <a:solidFill>
+                  <a:srgbClr val="666666"/>
+                </a:solidFill>
+                <a:effectLst/>
+                <a:uFillTx/>
+                <a:latin typeface="DejaVu Sans"/>
+              </a:rPr>
+              <a:t>PCA: </a:t>
+            </a:r>
+            <a:endParaRPr b="0" lang="es-ES" sz="2000" strike="noStrike" u="none">
+              <a:solidFill>
+                <a:srgbClr val="666666"/>
+              </a:solidFill>
+              <a:effectLst/>
+              <a:uFillTx/>
+              <a:latin typeface="DejaVu Sans"/>
+            </a:endParaRPr>
+          </a:p>
+        </p:txBody>
+      </p:sp>
+      <p:sp>
+        <p:nvSpPr>
+          <p:cNvPr id="73" name=""/>
+          <p:cNvSpPr txBox="1"/>
+          <p:nvPr/>
+        </p:nvSpPr>
+        <p:spPr>
+          <a:xfrm>
+            <a:off x="1080000" y="360"/>
+            <a:ext cx="7740000" cy="945720"/>
+          </a:xfrm>
+          <a:prstGeom prst="rect">
+            <a:avLst/>
+          </a:prstGeom>
+          <a:noFill/>
+          <a:ln w="0">
+            <a:noFill/>
+          </a:ln>
+        </p:spPr>
+        <p:txBody>
+          <a:bodyPr lIns="0" rIns="0" tIns="0" bIns="0" anchor="ctr" anchorCtr="1">
+            <a:spAutoFit/>
+          </a:bodyPr>
+          <a:p>
+            <a:pPr algn="ctr">
+              <a:spcBef>
+                <a:spcPts val="1191"/>
+              </a:spcBef>
+              <a:spcAft>
+                <a:spcPts val="992"/>
+              </a:spcAft>
+            </a:pPr>
+            <a:r>
+              <a:rPr b="1" lang="es-ES" sz="3200" strike="noStrike" u="none">
+                <a:solidFill>
+                  <a:srgbClr val="5b277d"/>
+                </a:solidFill>
+                <a:effectLst/>
+                <a:uFillTx/>
+                <a:latin typeface="DejaVu Sans"/>
+              </a:rPr>
+              <a:t>PREDICCIÓN GENERACIÓN SOLAR</a:t>
+            </a:r>
+            <a:br>
+              <a:rPr sz="3200"/>
+            </a:br>
+            <a:r>
+              <a:rPr b="1" lang="es-ES" sz="3200" strike="noStrike" u="none">
+                <a:solidFill>
+                  <a:srgbClr val="5b277d"/>
+                </a:solidFill>
+                <a:effectLst/>
+                <a:uFillTx/>
+                <a:latin typeface="DejaVu Sans"/>
+              </a:rPr>
+              <a:t>- RESULTADOS Y MÉTRICAS -</a:t>
+            </a:r>
+            <a:endParaRPr b="0" lang="es-ES" sz="3200" strike="noStrike" u="none">
+              <a:solidFill>
+                <a:srgbClr val="333333"/>
+              </a:solidFill>
+              <a:effectLst/>
+              <a:uFillTx/>
+              <a:latin typeface="DejaVu Sans"/>
+            </a:endParaRPr>
+          </a:p>
+        </p:txBody>
+      </p:sp>
+      <p:pic>
+        <p:nvPicPr>
+          <p:cNvPr id="74" name="" descr=""/>
+          <p:cNvPicPr/>
+          <p:nvPr/>
+        </p:nvPicPr>
+        <p:blipFill>
+          <a:blip r:embed="rId1"/>
+          <a:stretch/>
+        </p:blipFill>
+        <p:spPr>
+          <a:xfrm>
+            <a:off x="0" y="2520000"/>
+            <a:ext cx="4631040" cy="3150000"/>
+          </a:xfrm>
+          <a:prstGeom prst="rect">
+            <a:avLst/>
+          </a:prstGeom>
+          <a:noFill/>
+          <a:ln w="18000">
+            <a:noFill/>
+          </a:ln>
+        </p:spPr>
+      </p:pic>
+      <p:pic>
+        <p:nvPicPr>
+          <p:cNvPr id="75" name="" descr=""/>
+          <p:cNvPicPr/>
+          <p:nvPr/>
+        </p:nvPicPr>
+        <p:blipFill>
+          <a:blip r:embed="rId2"/>
+          <a:stretch/>
+        </p:blipFill>
+        <p:spPr>
+          <a:xfrm>
+            <a:off x="3960000" y="1620000"/>
+            <a:ext cx="5580000" cy="3607560"/>
+          </a:xfrm>
+          <a:prstGeom prst="rect">
+            <a:avLst/>
+          </a:prstGeom>
+          <a:noFill/>
+          <a:ln w="18000">
+            <a:noFill/>
+          </a:ln>
+        </p:spPr>
+      </p:pic>
+      <p:sp>
+        <p:nvSpPr>
+          <p:cNvPr id="3" name="PlaceHolder 2"/>
+          <p:cNvSpPr>
+            <a:spLocks noGrp="1"/>
+          </p:cNvSpPr>
+          <p:nvPr>
+            <p:ph type="sldNum" idx="12"/>
+          </p:nvPr>
+        </p:nvSpPr>
+        <p:spPr/>
+        <p:txBody>
+          <a:bodyPr/>
+          <a:p>
+            <a:fld id="{A054A3FD-5333-4D13-BE0D-32D118D973F2}" type="slidenum">
+              <a:t>8</a:t>
+            </a:fld>
+          </a:p>
+        </p:txBody>
+      </p:sp>
+    </p:spTree>
+  </p:cSld>
+  <mc:AlternateContent>
+    <mc:Choice Requires="p14">
+      <p:transition spd="slow" p14:dur="2000"/>
+    </mc:Choice>
+    <mc:Fallback>
+      <p:transition spd="slow"/>
+    </mc:Fallback>
+  </mc:AlternateContent>
+</p:sld>
+</file>
+
+<file path=ppt/slides/slide9.xml><?xml version="1.0" encoding="utf-8"?>
+<p:sld xmlns:a="http://schemas.openxmlformats.org/drawingml/2006/main" xmlns:p="http://schemas.openxmlformats.org/presentationml/2006/main" xmlns:r="http://schemas.openxmlformats.org/officeDocument/2006/relationships" xmlns:p14="http://schemas.microsoft.com/office/powerpoint/2010/main" xmlns:p15="http://schemas.microsoft.com/office/powerpoint/2012/main" xmlns:mc="http://schemas.openxmlformats.org/markup-compatibility/2006">
+  <p:cSld>
+    <p:spTree>
+      <p:nvGrpSpPr>
+        <p:cNvPr id="1" name=""/>
+        <p:cNvGrpSpPr/>
+        <p:nvPr/>
+      </p:nvGrpSpPr>
+      <p:grpSpPr>
+        <a:xfrm>
+          <a:off x="0" y="0"/>
+          <a:ext cx="0" cy="0"/>
+          <a:chOff x="0" y="0"/>
+          <a:chExt cx="0" cy="0"/>
+        </a:xfrm>
+      </p:grpSpPr>
+      <p:sp>
+        <p:nvSpPr>
+          <p:cNvPr id="76" name="PlaceHolder 1"/>
+          <p:cNvSpPr>
+            <a:spLocks noGrp="1"/>
+          </p:cNvSpPr>
+          <p:nvPr>
             <p:ph type="title"/>
           </p:nvPr>
         </p:nvSpPr>
@@ -7020,7 +7302,7 @@
       </p:sp>
       <p:sp>
         <p:nvSpPr>
-          <p:cNvPr id="73" name="PlaceHolder 2"/>
+          <p:cNvPr id="77" name="PlaceHolder 2"/>
           <p:cNvSpPr>
             <a:spLocks noGrp="1"/>
           </p:cNvSpPr>
@@ -7243,8 +7525,8 @@
         <p:txBody>
           <a:bodyPr/>
           <a:p>
-            <a:fld id="{3E67C683-6355-4DAE-8305-2F6B48AD2508}" type="slidenum">
-              <a:t>8</a:t>
+            <a:fld id="{4E414431-D068-4362-849F-D673D9DE96C2}" type="slidenum">
+              <a:t>9</a:t>
             </a:fld>
           </a:p>
         </p:txBody>

--- a/docs/Proyecto ML - DS v1.pptx
+++ b/docs/Proyecto ML - DS v1.pptx
@@ -158,7 +158,7 @@
         <p:txBody>
           <a:bodyPr/>
           <a:p>
-            <a:fld id="{BF4C9F2B-8A92-42A1-9605-FEFB9A12EDB7}" type="slidenum">
+            <a:fld id="{525C8262-5C60-4B61-8EF1-F302AE12A473}" type="slidenum">
               <a:t>&lt;#&gt;</a:t>
             </a:fld>
           </a:p>
@@ -328,7 +328,7 @@
         <p:txBody>
           <a:bodyPr/>
           <a:p>
-            <a:fld id="{3AFDA155-07B9-41B8-A0F3-85B75BF6086A}" type="slidenum">
+            <a:fld id="{8634BA08-CB4E-4A63-808A-E39C49755C29}" type="slidenum">
               <a:t>&lt;#&gt;</a:t>
             </a:fld>
           </a:p>
@@ -498,7 +498,7 @@
         <p:txBody>
           <a:bodyPr/>
           <a:p>
-            <a:fld id="{B147DE87-FA23-4A81-8E45-01A27FF72FBD}" type="slidenum">
+            <a:fld id="{A7240764-E3B0-4207-BBEA-6BAE598BC71F}" type="slidenum">
               <a:t>&lt;#&gt;</a:t>
             </a:fld>
           </a:p>
@@ -668,7 +668,7 @@
         <p:txBody>
           <a:bodyPr/>
           <a:p>
-            <a:fld id="{7AC93183-E208-4037-B011-BF5B3C9ECE61}" type="slidenum">
+            <a:fld id="{C95243B8-F96C-4159-A127-350603D0131F}" type="slidenum">
               <a:t>&lt;#&gt;</a:t>
             </a:fld>
           </a:p>
@@ -838,7 +838,7 @@
         <p:txBody>
           <a:bodyPr/>
           <a:p>
-            <a:fld id="{E786E57A-46E7-44F4-897A-5F8AAE4CA636}" type="slidenum">
+            <a:fld id="{C0BB3C4E-22B3-4915-81F6-D427031ADCF1}" type="slidenum">
               <a:t>&lt;#&gt;</a:t>
             </a:fld>
           </a:p>
@@ -1294,7 +1294,7 @@
                 <a:uFillTx/>
                 <a:latin typeface="DejaVu Sans"/>
               </a:rPr>
-              <a:t>&lt;fecha/hora&gt;</a:t>
+              <a:t> </a:t>
             </a:r>
             <a:endParaRPr b="0" lang="es-ES" sz="1400" strike="noStrike" u="none">
               <a:solidFill>
@@ -1360,7 +1360,7 @@
                 <a:uFillTx/>
                 <a:latin typeface="DejaVu Sans"/>
               </a:rPr>
-              <a:t>&lt;pie de página&gt;</a:t>
+              <a:t> </a:t>
             </a:r>
             <a:endParaRPr b="0" lang="es-ES" sz="1400" strike="noStrike" u="none">
               <a:solidFill>
@@ -1417,7 +1417,7 @@
             <a:pPr indent="0" algn="r">
               <a:buNone/>
             </a:pPr>
-            <a:fld id="{F7B1305B-A673-4C9E-993C-D92603CB320B}" type="slidenum">
+            <a:fld id="{79564332-CAA2-460E-8273-76EA2F242126}" type="slidenum">
               <a:rPr b="0" lang="es-ES" sz="1400" strike="noStrike" u="none">
                 <a:solidFill>
                   <a:srgbClr val="dddddd"/>
@@ -1426,7 +1426,7 @@
                 <a:uFillTx/>
                 <a:latin typeface="DejaVu Sans"/>
               </a:rPr>
-              <a:t>&lt;número&gt;</a:t>
+              <a:t>9</a:t>
             </a:fld>
             <a:endParaRPr b="0" lang="es-ES" sz="1400" strike="noStrike" u="none">
               <a:solidFill>
@@ -2257,7 +2257,7 @@
             <a:pPr indent="0" algn="r">
               <a:buNone/>
             </a:pPr>
-            <a:fld id="{4FB5E807-5044-4590-A799-519232FA5EED}" type="slidenum">
+            <a:fld id="{8B5032A5-8FAB-46D4-BF63-3E310E1556F3}" type="slidenum">
               <a:rPr b="0" lang="es-ES" sz="1400" strike="noStrike" u="none">
                 <a:solidFill>
                   <a:srgbClr val="dddddd"/>
@@ -3444,7 +3444,7 @@
             <a:pPr indent="0" algn="r">
               <a:buNone/>
             </a:pPr>
-            <a:fld id="{0758AF07-1CCF-4870-91FE-2926C8B9F185}" type="slidenum">
+            <a:fld id="{34A897A9-A248-4CA8-AF90-054CD4618063}" type="slidenum">
               <a:rPr b="0" lang="es-ES" sz="1400" strike="noStrike" u="none">
                 <a:solidFill>
                   <a:srgbClr val="dddddd"/>
@@ -3896,7 +3896,7 @@
             <a:pPr indent="0" algn="r">
               <a:buNone/>
             </a:pPr>
-            <a:fld id="{13E849AF-8EE7-4171-ADF5-2FE57A0886A3}" type="slidenum">
+            <a:fld id="{49017AFA-6AAE-4596-854A-4CFC692B1014}" type="slidenum">
               <a:rPr b="0" lang="es-ES" sz="1400" strike="noStrike" u="none">
                 <a:solidFill>
                   <a:srgbClr val="dddddd"/>
@@ -4686,7 +4686,7 @@
         <p:txBody>
           <a:bodyPr/>
           <a:p>
-            <a:fld id="{4382AD11-32F8-4EAA-BE47-8ADFBFFFCCBE}" type="slidenum">
+            <a:fld id="{6262628A-7D87-4AB9-BEEC-3C430198A031}" type="slidenum">
               <a:t>2</a:t>
             </a:fld>
           </a:p>
@@ -5107,7 +5107,7 @@
         <p:txBody>
           <a:bodyPr/>
           <a:p>
-            <a:fld id="{C1182D83-A450-4275-90FB-FAC1E19F2E77}" type="slidenum">
+            <a:fld id="{F03983F7-80C3-487E-A5F8-5A01C2F731D5}" type="slidenum">
               <a:t>3</a:t>
             </a:fld>
           </a:p>
@@ -5517,7 +5517,7 @@
         <p:txBody>
           <a:bodyPr/>
           <a:p>
-            <a:fld id="{BDFCAFBA-9E90-4082-9A07-498109A64D74}" type="slidenum">
+            <a:fld id="{E5843ABA-7FE6-4586-88E1-9933C9CBB565}" type="slidenum">
               <a:t>4</a:t>
             </a:fld>
           </a:p>
@@ -5888,7 +5888,7 @@
         <p:txBody>
           <a:bodyPr/>
           <a:p>
-            <a:fld id="{35B5AD53-2DF0-4439-BB82-671CD5731C43}" type="slidenum">
+            <a:fld id="{61B451CA-3020-48AC-956E-B3AB3A0EFAD8}" type="slidenum">
               <a:t>5</a:t>
             </a:fld>
           </a:p>
@@ -6473,7 +6473,7 @@
         <p:txBody>
           <a:bodyPr/>
           <a:p>
-            <a:fld id="{DCA388D5-BEB3-4A48-A7A8-853643070C2A}" type="slidenum">
+            <a:fld id="{DB1860DF-40B4-4606-8BF6-49BB9B7BE5F1}" type="slidenum">
               <a:t>6</a:t>
             </a:fld>
           </a:p>
@@ -6910,7 +6910,7 @@
         <p:txBody>
           <a:bodyPr/>
           <a:p>
-            <a:fld id="{2AEAF7A8-6776-4F4E-8A5C-D05C5A9488AC}" type="slidenum">
+            <a:fld id="{8B0FBD34-6A13-4482-8BC3-6E8DD38208DC}" type="slidenum">
               <a:t>7</a:t>
             </a:fld>
           </a:p>
@@ -7191,7 +7191,7 @@
         <p:txBody>
           <a:bodyPr/>
           <a:p>
-            <a:fld id="{A054A3FD-5333-4D13-BE0D-32D118D973F2}" type="slidenum">
+            <a:fld id="{921D43E8-B83B-407E-96FB-3BD42109A4A3}" type="slidenum">
               <a:t>8</a:t>
             </a:fld>
           </a:p>
@@ -7509,6 +7509,38 @@
               <a:latin typeface="DejaVu Sans"/>
             </a:endParaRPr>
           </a:p>
+          <a:p>
+            <a:pPr marL="432000" indent="-324000">
+              <a:spcAft>
+                <a:spcPts val="1060"/>
+              </a:spcAft>
+              <a:buClr>
+                <a:srgbClr val="666666"/>
+              </a:buClr>
+              <a:buSzPct val="45000"/>
+              <a:buFont typeface="Wingdings" charset="2"/>
+              <a:buChar char=""/>
+            </a:pPr>
+            <a:r>
+              <a:rPr b="0" lang="es-ES" sz="2400" strike="noStrike" u="none">
+                <a:solidFill>
+                  <a:srgbClr val="666666"/>
+                </a:solidFill>
+                <a:effectLst/>
+                <a:uFillTx/>
+                <a:latin typeface="DejaVu Sans"/>
+              </a:rPr>
+              <a:t>Modelos series temporales</a:t>
+            </a:r>
+            <a:endParaRPr b="0" lang="es-ES" sz="2400" strike="noStrike" u="none">
+              <a:solidFill>
+                <a:srgbClr val="666666"/>
+              </a:solidFill>
+              <a:effectLst/>
+              <a:uFillTx/>
+              <a:latin typeface="DejaVu Sans"/>
+            </a:endParaRPr>
+          </a:p>
         </p:txBody>
       </p:sp>
       <p:sp>
@@ -7525,7 +7557,7 @@
         <p:txBody>
           <a:bodyPr/>
           <a:p>
-            <a:fld id="{4E414431-D068-4362-849F-D673D9DE96C2}" type="slidenum">
+            <a:fld id="{51A40C47-8360-4B70-ADF3-834EBF0AEB17}" type="slidenum">
               <a:t>9</a:t>
             </a:fld>
           </a:p>
